--- a/流程图.pptx
+++ b/流程图.pptx
@@ -4,9 +4,13 @@
   <p:sldMasterIdLst>
     <p:sldMasterId id="2147483648" r:id="rId1"/>
   </p:sldMasterIdLst>
+  <p:notesMasterIdLst>
+    <p:notesMasterId r:id="rId4"/>
+  </p:notesMasterIdLst>
   <p:sldIdLst>
     <p:sldId id="256" r:id="rId3"/>
-    <p:sldId id="257" r:id="rId4"/>
+    <p:sldId id="257" r:id="rId5"/>
+    <p:sldId id="258" r:id="rId6"/>
   </p:sldIdLst>
   <p:sldSz cx="12192000" cy="6858000"/>
   <p:notesSz cx="6858000" cy="9144000"/>
@@ -106,6 +110,397 @@
     </a:lvl9pPr>
   </p:defaultTextStyle>
 </p:presentation>
+</file>
+
+<file path=ppt/notesMasters/notesMaster1.xml><?xml version="1.0" encoding="utf-8"?>
+<p:notesMaster xmlns:a="http://schemas.openxmlformats.org/drawingml/2006/main" xmlns:r="http://schemas.openxmlformats.org/officeDocument/2006/relationships" xmlns:p="http://schemas.openxmlformats.org/presentationml/2006/main">
+  <p:cSld>
+    <p:bg>
+      <p:bgRef idx="1001">
+        <a:schemeClr val="bg1"/>
+      </p:bgRef>
+    </p:bg>
+    <p:spTree>
+      <p:nvGrpSpPr>
+        <p:cNvPr id="1" name=""/>
+        <p:cNvGrpSpPr/>
+        <p:nvPr/>
+      </p:nvGrpSpPr>
+      <p:grpSpPr>
+        <a:xfrm>
+          <a:off x="0" y="0"/>
+          <a:ext cx="0" cy="0"/>
+          <a:chOff x="0" y="0"/>
+          <a:chExt cx="0" cy="0"/>
+        </a:xfrm>
+      </p:grpSpPr>
+      <p:sp>
+        <p:nvSpPr>
+          <p:cNvPr id="2" name="页眉占位符 1"/>
+          <p:cNvSpPr>
+            <a:spLocks noGrp="1"/>
+          </p:cNvSpPr>
+          <p:nvPr>
+            <p:ph type="hdr" sz="quarter"/>
+          </p:nvPr>
+        </p:nvSpPr>
+        <p:spPr>
+          <a:xfrm>
+            <a:off x="0" y="0"/>
+            <a:ext cx="2971800" cy="458788"/>
+          </a:xfrm>
+          <a:prstGeom prst="rect">
+            <a:avLst/>
+          </a:prstGeom>
+        </p:spPr>
+        <p:txBody>
+          <a:bodyPr vert="horz" lIns="91440" tIns="45720" rIns="91440" bIns="45720" rtlCol="0"/>
+          <a:lstStyle>
+            <a:lvl1pPr algn="l">
+              <a:defRPr sz="1200"/>
+            </a:lvl1pPr>
+          </a:lstStyle>
+          <a:p>
+            <a:endParaRPr lang="zh-CN" altLang="en-US"/>
+          </a:p>
+        </p:txBody>
+      </p:sp>
+      <p:sp>
+        <p:nvSpPr>
+          <p:cNvPr id="3" name="日期占位符 2"/>
+          <p:cNvSpPr>
+            <a:spLocks noGrp="1"/>
+          </p:cNvSpPr>
+          <p:nvPr>
+            <p:ph type="dt" idx="1"/>
+          </p:nvPr>
+        </p:nvSpPr>
+        <p:spPr>
+          <a:xfrm>
+            <a:off x="3884613" y="0"/>
+            <a:ext cx="2971800" cy="458788"/>
+          </a:xfrm>
+          <a:prstGeom prst="rect">
+            <a:avLst/>
+          </a:prstGeom>
+        </p:spPr>
+        <p:txBody>
+          <a:bodyPr vert="horz" lIns="91440" tIns="45720" rIns="91440" bIns="45720" rtlCol="0"/>
+          <a:lstStyle>
+            <a:lvl1pPr algn="r">
+              <a:defRPr sz="1200"/>
+            </a:lvl1pPr>
+          </a:lstStyle>
+          <a:p>
+            <a:fld id="{D2A48B96-639E-45A3-A0BA-2464DFDB1FAA}" type="datetimeFigureOut">
+              <a:rPr lang="zh-CN" altLang="en-US" smtClean="0"/>
+            </a:fld>
+            <a:endParaRPr lang="zh-CN" altLang="en-US"/>
+          </a:p>
+        </p:txBody>
+      </p:sp>
+      <p:sp>
+        <p:nvSpPr>
+          <p:cNvPr id="4" name="幻灯片图像占位符 3"/>
+          <p:cNvSpPr>
+            <a:spLocks noGrp="1" noRot="1" noChangeAspect="1"/>
+          </p:cNvSpPr>
+          <p:nvPr>
+            <p:ph type="sldImg" idx="2"/>
+          </p:nvPr>
+        </p:nvSpPr>
+        <p:spPr>
+          <a:xfrm>
+            <a:off x="685800" y="1143000"/>
+            <a:ext cx="5486400" cy="3086100"/>
+          </a:xfrm>
+          <a:prstGeom prst="rect">
+            <a:avLst/>
+          </a:prstGeom>
+          <a:noFill/>
+          <a:ln w="12700">
+            <a:solidFill>
+              <a:prstClr val="black"/>
+            </a:solidFill>
+          </a:ln>
+        </p:spPr>
+        <p:txBody>
+          <a:bodyPr vert="horz" lIns="91440" tIns="45720" rIns="91440" bIns="45720" rtlCol="0" anchor="ctr"/>
+          <a:lstStyle/>
+          <a:p>
+            <a:endParaRPr lang="zh-CN" altLang="en-US"/>
+          </a:p>
+        </p:txBody>
+      </p:sp>
+      <p:sp>
+        <p:nvSpPr>
+          <p:cNvPr id="5" name="备注占位符 4"/>
+          <p:cNvSpPr>
+            <a:spLocks noGrp="1"/>
+          </p:cNvSpPr>
+          <p:nvPr>
+            <p:ph type="body" sz="quarter" idx="3"/>
+          </p:nvPr>
+        </p:nvSpPr>
+        <p:spPr>
+          <a:xfrm>
+            <a:off x="685800" y="4400550"/>
+            <a:ext cx="5486400" cy="3600450"/>
+          </a:xfrm>
+          <a:prstGeom prst="rect">
+            <a:avLst/>
+          </a:prstGeom>
+        </p:spPr>
+        <p:txBody>
+          <a:bodyPr vert="horz" lIns="91440" tIns="45720" rIns="91440" bIns="45720" rtlCol="0"/>
+          <a:lstStyle/>
+          <a:p>
+            <a:pPr lvl="0"/>
+            <a:r>
+              <a:rPr lang="zh-CN" altLang="en-US" smtClean="0"/>
+              <a:t>单击此处编辑母版文本样式</a:t>
+            </a:r>
+            <a:endParaRPr lang="zh-CN" altLang="en-US" smtClean="0"/>
+          </a:p>
+          <a:p>
+            <a:pPr lvl="1"/>
+            <a:r>
+              <a:rPr lang="zh-CN" altLang="en-US" smtClean="0"/>
+              <a:t>第二级</a:t>
+            </a:r>
+            <a:endParaRPr lang="zh-CN" altLang="en-US" smtClean="0"/>
+          </a:p>
+          <a:p>
+            <a:pPr lvl="2"/>
+            <a:r>
+              <a:rPr lang="zh-CN" altLang="en-US" smtClean="0"/>
+              <a:t>第三级</a:t>
+            </a:r>
+            <a:endParaRPr lang="zh-CN" altLang="en-US" smtClean="0"/>
+          </a:p>
+          <a:p>
+            <a:pPr lvl="3"/>
+            <a:r>
+              <a:rPr lang="zh-CN" altLang="en-US" smtClean="0"/>
+              <a:t>第四级</a:t>
+            </a:r>
+            <a:endParaRPr lang="zh-CN" altLang="en-US" smtClean="0"/>
+          </a:p>
+          <a:p>
+            <a:pPr lvl="4"/>
+            <a:r>
+              <a:rPr lang="zh-CN" altLang="en-US" smtClean="0"/>
+              <a:t>第五级</a:t>
+            </a:r>
+            <a:endParaRPr lang="zh-CN" altLang="en-US"/>
+          </a:p>
+        </p:txBody>
+      </p:sp>
+      <p:sp>
+        <p:nvSpPr>
+          <p:cNvPr id="6" name="页脚占位符 5"/>
+          <p:cNvSpPr>
+            <a:spLocks noGrp="1"/>
+          </p:cNvSpPr>
+          <p:nvPr>
+            <p:ph type="ftr" sz="quarter" idx="4"/>
+          </p:nvPr>
+        </p:nvSpPr>
+        <p:spPr>
+          <a:xfrm>
+            <a:off x="0" y="8685213"/>
+            <a:ext cx="2971800" cy="458787"/>
+          </a:xfrm>
+          <a:prstGeom prst="rect">
+            <a:avLst/>
+          </a:prstGeom>
+        </p:spPr>
+        <p:txBody>
+          <a:bodyPr vert="horz" lIns="91440" tIns="45720" rIns="91440" bIns="45720" rtlCol="0" anchor="b"/>
+          <a:lstStyle>
+            <a:lvl1pPr algn="l">
+              <a:defRPr sz="1200"/>
+            </a:lvl1pPr>
+          </a:lstStyle>
+          <a:p>
+            <a:endParaRPr lang="zh-CN" altLang="en-US"/>
+          </a:p>
+        </p:txBody>
+      </p:sp>
+      <p:sp>
+        <p:nvSpPr>
+          <p:cNvPr id="7" name="灯片编号占位符 6"/>
+          <p:cNvSpPr>
+            <a:spLocks noGrp="1"/>
+          </p:cNvSpPr>
+          <p:nvPr>
+            <p:ph type="sldNum" sz="quarter" idx="5"/>
+          </p:nvPr>
+        </p:nvSpPr>
+        <p:spPr>
+          <a:xfrm>
+            <a:off x="3884613" y="8685213"/>
+            <a:ext cx="2971800" cy="458787"/>
+          </a:xfrm>
+          <a:prstGeom prst="rect">
+            <a:avLst/>
+          </a:prstGeom>
+        </p:spPr>
+        <p:txBody>
+          <a:bodyPr vert="horz" lIns="91440" tIns="45720" rIns="91440" bIns="45720" rtlCol="0" anchor="b"/>
+          <a:lstStyle>
+            <a:lvl1pPr algn="r">
+              <a:defRPr sz="1200"/>
+            </a:lvl1pPr>
+          </a:lstStyle>
+          <a:p>
+            <a:fld id="{A6837353-30EB-4A48-80EB-173D804AEFBD}" type="slidenum">
+              <a:rPr lang="zh-CN" altLang="en-US" smtClean="0"/>
+            </a:fld>
+            <a:endParaRPr lang="zh-CN" altLang="en-US"/>
+          </a:p>
+        </p:txBody>
+      </p:sp>
+    </p:spTree>
+  </p:cSld>
+  <p:clrMap bg1="lt1" tx1="dk1" bg2="lt2" tx2="dk2" accent1="accent1" accent2="accent2" accent3="accent3" accent4="accent4" accent5="accent5" accent6="accent6" hlink="hlink" folHlink="folHlink"/>
+  <p:notesStyle>
+    <a:lvl1pPr marL="0" algn="l" defTabSz="914400" rtl="0" eaLnBrk="1" latinLnBrk="0" hangingPunct="1">
+      <a:defRPr sz="1200" kern="1200">
+        <a:solidFill>
+          <a:schemeClr val="tx1"/>
+        </a:solidFill>
+        <a:latin typeface="+mn-lt"/>
+        <a:ea typeface="+mn-ea"/>
+        <a:cs typeface="+mn-cs"/>
+      </a:defRPr>
+    </a:lvl1pPr>
+    <a:lvl2pPr marL="457200" algn="l" defTabSz="914400" rtl="0" eaLnBrk="1" latinLnBrk="0" hangingPunct="1">
+      <a:defRPr sz="1200" kern="1200">
+        <a:solidFill>
+          <a:schemeClr val="tx1"/>
+        </a:solidFill>
+        <a:latin typeface="+mn-lt"/>
+        <a:ea typeface="+mn-ea"/>
+        <a:cs typeface="+mn-cs"/>
+      </a:defRPr>
+    </a:lvl2pPr>
+    <a:lvl3pPr marL="914400" algn="l" defTabSz="914400" rtl="0" eaLnBrk="1" latinLnBrk="0" hangingPunct="1">
+      <a:defRPr sz="1200" kern="1200">
+        <a:solidFill>
+          <a:schemeClr val="tx1"/>
+        </a:solidFill>
+        <a:latin typeface="+mn-lt"/>
+        <a:ea typeface="+mn-ea"/>
+        <a:cs typeface="+mn-cs"/>
+      </a:defRPr>
+    </a:lvl3pPr>
+    <a:lvl4pPr marL="1371600" algn="l" defTabSz="914400" rtl="0" eaLnBrk="1" latinLnBrk="0" hangingPunct="1">
+      <a:defRPr sz="1200" kern="1200">
+        <a:solidFill>
+          <a:schemeClr val="tx1"/>
+        </a:solidFill>
+        <a:latin typeface="+mn-lt"/>
+        <a:ea typeface="+mn-ea"/>
+        <a:cs typeface="+mn-cs"/>
+      </a:defRPr>
+    </a:lvl4pPr>
+    <a:lvl5pPr marL="1828800" algn="l" defTabSz="914400" rtl="0" eaLnBrk="1" latinLnBrk="0" hangingPunct="1">
+      <a:defRPr sz="1200" kern="1200">
+        <a:solidFill>
+          <a:schemeClr val="tx1"/>
+        </a:solidFill>
+        <a:latin typeface="+mn-lt"/>
+        <a:ea typeface="+mn-ea"/>
+        <a:cs typeface="+mn-cs"/>
+      </a:defRPr>
+    </a:lvl5pPr>
+    <a:lvl6pPr marL="2286000" algn="l" defTabSz="914400" rtl="0" eaLnBrk="1" latinLnBrk="0" hangingPunct="1">
+      <a:defRPr sz="1200" kern="1200">
+        <a:solidFill>
+          <a:schemeClr val="tx1"/>
+        </a:solidFill>
+        <a:latin typeface="+mn-lt"/>
+        <a:ea typeface="+mn-ea"/>
+        <a:cs typeface="+mn-cs"/>
+      </a:defRPr>
+    </a:lvl6pPr>
+    <a:lvl7pPr marL="2743200" algn="l" defTabSz="914400" rtl="0" eaLnBrk="1" latinLnBrk="0" hangingPunct="1">
+      <a:defRPr sz="1200" kern="1200">
+        <a:solidFill>
+          <a:schemeClr val="tx1"/>
+        </a:solidFill>
+        <a:latin typeface="+mn-lt"/>
+        <a:ea typeface="+mn-ea"/>
+        <a:cs typeface="+mn-cs"/>
+      </a:defRPr>
+    </a:lvl7pPr>
+    <a:lvl8pPr marL="3200400" algn="l" defTabSz="914400" rtl="0" eaLnBrk="1" latinLnBrk="0" hangingPunct="1">
+      <a:defRPr sz="1200" kern="1200">
+        <a:solidFill>
+          <a:schemeClr val="tx1"/>
+        </a:solidFill>
+        <a:latin typeface="+mn-lt"/>
+        <a:ea typeface="+mn-ea"/>
+        <a:cs typeface="+mn-cs"/>
+      </a:defRPr>
+    </a:lvl8pPr>
+    <a:lvl9pPr marL="3657600" algn="l" defTabSz="914400" rtl="0" eaLnBrk="1" latinLnBrk="0" hangingPunct="1">
+      <a:defRPr sz="1200" kern="1200">
+        <a:solidFill>
+          <a:schemeClr val="tx1"/>
+        </a:solidFill>
+        <a:latin typeface="+mn-lt"/>
+        <a:ea typeface="+mn-ea"/>
+        <a:cs typeface="+mn-cs"/>
+      </a:defRPr>
+    </a:lvl9pPr>
+  </p:notesStyle>
+</p:notesMaster>
+</file>
+
+<file path=ppt/notesSlides/notesSlide1.xml><?xml version="1.0" encoding="utf-8"?>
+<p:notes xmlns:a="http://schemas.openxmlformats.org/drawingml/2006/main" xmlns:r="http://schemas.openxmlformats.org/officeDocument/2006/relationships" xmlns:p="http://schemas.openxmlformats.org/presentationml/2006/main">
+  <p:cSld>
+    <p:spTree>
+      <p:nvGrpSpPr>
+        <p:cNvPr id="1" name=""/>
+        <p:cNvGrpSpPr/>
+        <p:nvPr/>
+      </p:nvGrpSpPr>
+      <p:grpSpPr/>
+      <p:sp>
+        <p:nvSpPr>
+          <p:cNvPr id="2" name="幻灯片图像占位符 1"/>
+          <p:cNvSpPr/>
+          <p:nvPr>
+            <p:ph type="sldImg" idx="2"/>
+          </p:nvPr>
+        </p:nvSpPr>
+        <p:spPr/>
+      </p:sp>
+      <p:sp>
+        <p:nvSpPr>
+          <p:cNvPr id="3" name="文本占位符 2"/>
+          <p:cNvSpPr/>
+          <p:nvPr>
+            <p:ph type="body" idx="3"/>
+          </p:nvPr>
+        </p:nvSpPr>
+        <p:spPr/>
+        <p:txBody>
+          <a:bodyPr/>
+          <a:p>
+            <a:endParaRPr lang="zh-CN" altLang="en-US"/>
+          </a:p>
+        </p:txBody>
+      </p:sp>
+    </p:spTree>
+  </p:cSld>
+  <p:clrMapOvr>
+    <a:masterClrMapping/>
+  </p:clrMapOvr>
+</p:notes>
 </file>
 
 <file path=ppt/slideLayouts/slideLayout1.xml><?xml version="1.0" encoding="utf-8"?>
@@ -2923,7 +3318,7 @@
         </p:nvSpPr>
         <p:spPr>
           <a:xfrm>
-            <a:off x="173355" y="2581910"/>
+            <a:off x="2346960" y="1757680"/>
             <a:ext cx="908050" cy="607060"/>
           </a:xfrm>
           <a:prstGeom prst="flowChartInputOutput">
@@ -2990,7 +3385,7 @@
         </p:nvSpPr>
         <p:spPr>
           <a:xfrm>
-            <a:off x="1546225" y="3680460"/>
+            <a:off x="3719830" y="2856230"/>
             <a:ext cx="914400" cy="611505"/>
           </a:xfrm>
           <a:prstGeom prst="flowChartDecision">
@@ -3049,7 +3444,7 @@
         </p:nvSpPr>
         <p:spPr>
           <a:xfrm>
-            <a:off x="1546225" y="2577465"/>
+            <a:off x="3719830" y="1753235"/>
             <a:ext cx="914400" cy="611505"/>
           </a:xfrm>
           <a:prstGeom prst="flowChartDecision">
@@ -3103,7 +3498,7 @@
         </p:nvCxnSpPr>
         <p:spPr>
           <a:xfrm flipV="1">
-            <a:off x="990600" y="2883535"/>
+            <a:off x="3164205" y="2059305"/>
             <a:ext cx="555625" cy="1905"/>
           </a:xfrm>
           <a:prstGeom prst="straightConnector1">
@@ -3139,7 +3534,7 @@
         </p:nvCxnSpPr>
         <p:spPr>
           <a:xfrm>
-            <a:off x="2003425" y="3188970"/>
+            <a:off x="4177030" y="2364740"/>
             <a:ext cx="0" cy="491490"/>
           </a:xfrm>
           <a:prstGeom prst="straightConnector1">
@@ -3172,7 +3567,7 @@
         </p:nvSpPr>
         <p:spPr>
           <a:xfrm>
-            <a:off x="4302125" y="2577465"/>
+            <a:off x="6475730" y="1753235"/>
             <a:ext cx="914400" cy="611505"/>
           </a:xfrm>
           <a:prstGeom prst="flowChartDecision">
@@ -3231,7 +3626,7 @@
         </p:nvSpPr>
         <p:spPr>
           <a:xfrm>
-            <a:off x="4210685" y="3679825"/>
+            <a:off x="6384290" y="2855595"/>
             <a:ext cx="1097280" cy="611505"/>
           </a:xfrm>
           <a:prstGeom prst="flowChartDecision">
@@ -3296,7 +3691,7 @@
         </p:nvSpPr>
         <p:spPr>
           <a:xfrm>
-            <a:off x="2003425" y="2291715"/>
+            <a:off x="4177030" y="1467485"/>
             <a:ext cx="259080" cy="183515"/>
           </a:xfrm>
           <a:prstGeom prst="rect">
@@ -3328,7 +3723,7 @@
         </p:nvCxnSpPr>
         <p:spPr>
           <a:xfrm>
-            <a:off x="2460625" y="2883535"/>
+            <a:off x="4634230" y="2059305"/>
             <a:ext cx="1841500" cy="0"/>
           </a:xfrm>
           <a:prstGeom prst="straightConnector1">
@@ -3361,7 +3756,7 @@
         </p:nvSpPr>
         <p:spPr>
           <a:xfrm>
-            <a:off x="3251835" y="2701925"/>
+            <a:off x="5425440" y="1877695"/>
             <a:ext cx="259080" cy="183515"/>
           </a:xfrm>
           <a:prstGeom prst="rect">
@@ -3390,7 +3785,7 @@
         </p:nvSpPr>
         <p:spPr>
           <a:xfrm>
-            <a:off x="2003425" y="3239770"/>
+            <a:off x="4177030" y="2415540"/>
             <a:ext cx="259080" cy="183515"/>
           </a:xfrm>
           <a:prstGeom prst="rect">
@@ -3419,7 +3814,7 @@
         </p:nvSpPr>
         <p:spPr>
           <a:xfrm>
-            <a:off x="1546225" y="4942205"/>
+            <a:off x="3719830" y="4117975"/>
             <a:ext cx="914400" cy="302260"/>
           </a:xfrm>
           <a:prstGeom prst="flowChartTerminator">
@@ -3462,7 +3857,7 @@
         </p:nvSpPr>
         <p:spPr>
           <a:xfrm>
-            <a:off x="2924175" y="3834765"/>
+            <a:off x="5097780" y="3010535"/>
             <a:ext cx="914400" cy="302260"/>
           </a:xfrm>
           <a:prstGeom prst="flowChartTerminator">
@@ -3520,7 +3915,7 @@
         </p:nvCxnSpPr>
         <p:spPr>
           <a:xfrm flipV="1">
-            <a:off x="2460625" y="3985895"/>
+            <a:off x="4634230" y="3161665"/>
             <a:ext cx="463550" cy="635"/>
           </a:xfrm>
           <a:prstGeom prst="straightConnector1">
@@ -3553,7 +3948,7 @@
         </p:nvSpPr>
         <p:spPr>
           <a:xfrm>
-            <a:off x="2562860" y="3802380"/>
+            <a:off x="4736465" y="2978150"/>
             <a:ext cx="259080" cy="183515"/>
           </a:xfrm>
           <a:prstGeom prst="rect">
@@ -3582,7 +3977,7 @@
         </p:nvSpPr>
         <p:spPr>
           <a:xfrm>
-            <a:off x="6010275" y="2575560"/>
+            <a:off x="8183880" y="1751330"/>
             <a:ext cx="1457325" cy="611505"/>
           </a:xfrm>
           <a:prstGeom prst="flowChartProcess">
@@ -3664,7 +4059,7 @@
         </p:nvCxnSpPr>
         <p:spPr>
           <a:xfrm flipV="1">
-            <a:off x="5216525" y="2881630"/>
+            <a:off x="7390130" y="2057400"/>
             <a:ext cx="793750" cy="1905"/>
           </a:xfrm>
           <a:prstGeom prst="straightConnector1">
@@ -3700,7 +4095,7 @@
         </p:nvCxnSpPr>
         <p:spPr>
           <a:xfrm>
-            <a:off x="4759325" y="3188970"/>
+            <a:off x="6932930" y="2364740"/>
             <a:ext cx="0" cy="490855"/>
           </a:xfrm>
           <a:prstGeom prst="straightConnector1">
@@ -3733,7 +4128,7 @@
         </p:nvSpPr>
         <p:spPr>
           <a:xfrm>
-            <a:off x="5483860" y="2701925"/>
+            <a:off x="7657465" y="1877695"/>
             <a:ext cx="259080" cy="183515"/>
           </a:xfrm>
           <a:prstGeom prst="rect">
@@ -3762,7 +4157,7 @@
         </p:nvSpPr>
         <p:spPr>
           <a:xfrm>
-            <a:off x="4302125" y="4787265"/>
+            <a:off x="6475730" y="3963035"/>
             <a:ext cx="914400" cy="611505"/>
           </a:xfrm>
           <a:prstGeom prst="flowChartDecision">
@@ -3815,7 +4210,7 @@
         </p:nvSpPr>
         <p:spPr>
           <a:xfrm>
-            <a:off x="6010275" y="4785360"/>
+            <a:off x="8183880" y="3961130"/>
             <a:ext cx="1457960" cy="611505"/>
           </a:xfrm>
           <a:prstGeom prst="flowChartProcess">
@@ -3861,7 +4256,7 @@
         </p:nvCxnSpPr>
         <p:spPr>
           <a:xfrm flipV="1">
-            <a:off x="5216525" y="5091430"/>
+            <a:off x="7390130" y="4267200"/>
             <a:ext cx="793750" cy="1905"/>
           </a:xfrm>
           <a:prstGeom prst="straightConnector1">
@@ -3894,7 +4289,7 @@
         </p:nvSpPr>
         <p:spPr>
           <a:xfrm>
-            <a:off x="5483860" y="4909820"/>
+            <a:off x="7657465" y="4085590"/>
             <a:ext cx="259080" cy="183515"/>
           </a:xfrm>
           <a:prstGeom prst="rect">
@@ -3923,7 +4318,7 @@
         </p:nvSpPr>
         <p:spPr>
           <a:xfrm>
-            <a:off x="4759325" y="4447540"/>
+            <a:off x="6932930" y="3623310"/>
             <a:ext cx="259080" cy="183515"/>
           </a:xfrm>
           <a:prstGeom prst="rect">
@@ -3955,7 +4350,7 @@
         </p:nvCxnSpPr>
         <p:spPr>
           <a:xfrm>
-            <a:off x="4759325" y="4291330"/>
+            <a:off x="6932930" y="3467100"/>
             <a:ext cx="0" cy="495935"/>
           </a:xfrm>
           <a:prstGeom prst="straightConnector1">
@@ -3988,7 +4383,7 @@
         </p:nvSpPr>
         <p:spPr>
           <a:xfrm>
-            <a:off x="4759325" y="3342640"/>
+            <a:off x="6932930" y="2518410"/>
             <a:ext cx="259080" cy="183515"/>
           </a:xfrm>
           <a:prstGeom prst="rect">
@@ -4017,7 +4412,7 @@
         </p:nvSpPr>
         <p:spPr>
           <a:xfrm>
-            <a:off x="6010275" y="3680460"/>
+            <a:off x="8183880" y="2856230"/>
             <a:ext cx="1457960" cy="611505"/>
           </a:xfrm>
           <a:prstGeom prst="flowChartProcess">
@@ -4111,7 +4506,7 @@
         </p:nvCxnSpPr>
         <p:spPr>
           <a:xfrm>
-            <a:off x="5307965" y="3985895"/>
+            <a:off x="7481570" y="3161665"/>
             <a:ext cx="702310" cy="635"/>
           </a:xfrm>
           <a:prstGeom prst="straightConnector1">
@@ -4144,7 +4539,7 @@
         </p:nvSpPr>
         <p:spPr>
           <a:xfrm>
-            <a:off x="5483860" y="3802380"/>
+            <a:off x="7657465" y="2978150"/>
             <a:ext cx="259080" cy="183515"/>
           </a:xfrm>
           <a:prstGeom prst="rect">
@@ -4173,7 +4568,7 @@
         </p:nvSpPr>
         <p:spPr>
           <a:xfrm>
-            <a:off x="4302125" y="5891530"/>
+            <a:off x="6475730" y="5067300"/>
             <a:ext cx="914400" cy="612005"/>
           </a:xfrm>
           <a:prstGeom prst="flowChartProcess">
@@ -4206,19 +4601,27 @@
           <a:p>
             <a:pPr algn="ctr"/>
             <a:r>
-              <a:rPr lang="zh-CN" altLang="en-US" sz="600"/>
-              <a:t>路线修理。</a:t>
-            </a:r>
-            <a:endParaRPr lang="zh-CN" altLang="en-US" sz="600"/>
+              <a:rPr lang="zh-CN" altLang="en-US" sz="600">
+                <a:hlinkClick r:id="rId2" action="ppaction://hlinksldjump"/>
+              </a:rPr>
+              <a:t>路由修复。</a:t>
+            </a:r>
+            <a:endParaRPr lang="zh-CN" altLang="en-US" sz="600">
+              <a:hlinkClick r:id="rId2" action="ppaction://hlinksldjump"/>
+            </a:endParaRPr>
           </a:p>
           <a:p>
             <a:pPr algn="ctr"/>
             <a:r>
-              <a:rPr lang="zh-CN" altLang="en-US" sz="600"/>
+              <a:rPr lang="zh-CN" altLang="en-US" sz="600">
+                <a:hlinkClick r:id="rId2" action="ppaction://hlinksldjump"/>
+              </a:rPr>
               <a:t>见</a:t>
             </a:r>
             <a:r>
-              <a:rPr lang="en-US" altLang="zh-CN" sz="600"/>
+              <a:rPr lang="en-US" altLang="zh-CN" sz="600">
+                <a:hlinkClick r:id="rId2" action="ppaction://hlinksldjump"/>
+              </a:rPr>
               <a:t>9.4.3.2.5</a:t>
             </a:r>
             <a:endParaRPr lang="en-US" altLang="zh-CN" sz="600"/>
@@ -4236,7 +4639,7 @@
         </p:nvCxnSpPr>
         <p:spPr>
           <a:xfrm>
-            <a:off x="4759325" y="5398770"/>
+            <a:off x="6932930" y="4574540"/>
             <a:ext cx="0" cy="492760"/>
           </a:xfrm>
           <a:prstGeom prst="straightConnector1">
@@ -4269,7 +4672,7 @@
         </p:nvSpPr>
         <p:spPr>
           <a:xfrm>
-            <a:off x="4759325" y="5553710"/>
+            <a:off x="6932930" y="4729480"/>
             <a:ext cx="259080" cy="183515"/>
           </a:xfrm>
           <a:prstGeom prst="rect">
@@ -4301,7 +4704,7 @@
         </p:nvCxnSpPr>
         <p:spPr>
           <a:xfrm>
-            <a:off x="2003425" y="4291965"/>
+            <a:off x="4177030" y="3467735"/>
             <a:ext cx="0" cy="650240"/>
           </a:xfrm>
           <a:prstGeom prst="straightConnector1">
@@ -4352,7 +4755,7 @@
         </p:nvSpPr>
         <p:spPr>
           <a:xfrm>
-            <a:off x="190500" y="2320925"/>
+            <a:off x="2139315" y="2820670"/>
             <a:ext cx="914400" cy="611505"/>
           </a:xfrm>
           <a:prstGeom prst="flowChartDecision">
@@ -4395,7 +4798,7 @@
         </p:nvSpPr>
         <p:spPr>
           <a:xfrm>
-            <a:off x="1460500" y="2320925"/>
+            <a:off x="3409315" y="2820670"/>
             <a:ext cx="914400" cy="611505"/>
           </a:xfrm>
           <a:prstGeom prst="flowChartDecision">
@@ -4438,7 +4841,7 @@
         </p:nvSpPr>
         <p:spPr>
           <a:xfrm>
-            <a:off x="1460500" y="3267075"/>
+            <a:off x="3409315" y="3766820"/>
             <a:ext cx="914400" cy="611505"/>
           </a:xfrm>
           <a:prstGeom prst="flowChartDecision">
@@ -4489,7 +4892,7 @@
         </p:nvSpPr>
         <p:spPr>
           <a:xfrm>
-            <a:off x="2730500" y="2320925"/>
+            <a:off x="4679315" y="2820670"/>
             <a:ext cx="914400" cy="611505"/>
           </a:xfrm>
           <a:prstGeom prst="flowChartDecision">
@@ -4547,7 +4950,7 @@
         </p:nvCxnSpPr>
         <p:spPr>
           <a:xfrm>
-            <a:off x="1104900" y="2626995"/>
+            <a:off x="3053715" y="3126740"/>
             <a:ext cx="355600" cy="0"/>
           </a:xfrm>
           <a:prstGeom prst="straightConnector1">
@@ -4583,7 +4986,7 @@
         </p:nvCxnSpPr>
         <p:spPr>
           <a:xfrm>
-            <a:off x="1917700" y="2932430"/>
+            <a:off x="3866515" y="3432175"/>
             <a:ext cx="0" cy="334645"/>
           </a:xfrm>
           <a:prstGeom prst="straightConnector1">
@@ -4619,7 +5022,7 @@
         </p:nvCxnSpPr>
         <p:spPr>
           <a:xfrm>
-            <a:off x="2374900" y="2626995"/>
+            <a:off x="4323715" y="3126740"/>
             <a:ext cx="355600" cy="0"/>
           </a:xfrm>
           <a:prstGeom prst="straightConnector1">
@@ -4655,7 +5058,7 @@
         </p:nvCxnSpPr>
         <p:spPr>
           <a:xfrm flipV="1">
-            <a:off x="2374900" y="2932430"/>
+            <a:off x="4323715" y="3432175"/>
             <a:ext cx="812800" cy="640715"/>
           </a:xfrm>
           <a:prstGeom prst="bentConnector2">
@@ -4746,7 +5149,7 @@
         </p:nvSpPr>
         <p:spPr>
           <a:xfrm>
-            <a:off x="2423160" y="2443480"/>
+            <a:off x="4371975" y="2943225"/>
             <a:ext cx="259080" cy="183515"/>
           </a:xfrm>
           <a:prstGeom prst="rect">
@@ -4775,7 +5178,7 @@
         </p:nvSpPr>
         <p:spPr>
           <a:xfrm>
-            <a:off x="1658620" y="3007995"/>
+            <a:off x="3607435" y="3507740"/>
             <a:ext cx="259080" cy="183515"/>
           </a:xfrm>
           <a:prstGeom prst="rect">
@@ -4804,7 +5207,7 @@
         </p:nvSpPr>
         <p:spPr>
           <a:xfrm>
-            <a:off x="2651760" y="3389630"/>
+            <a:off x="4600575" y="3889375"/>
             <a:ext cx="259080" cy="183515"/>
           </a:xfrm>
           <a:prstGeom prst="rect">
@@ -4833,7 +5236,7 @@
         </p:nvSpPr>
         <p:spPr>
           <a:xfrm>
-            <a:off x="1460500" y="4216400"/>
+            <a:off x="3409315" y="4716145"/>
             <a:ext cx="914400" cy="302260"/>
           </a:xfrm>
           <a:prstGeom prst="flowChartTerminator">
@@ -4879,7 +5282,7 @@
         </p:nvCxnSpPr>
         <p:spPr>
           <a:xfrm>
-            <a:off x="1917700" y="3878580"/>
+            <a:off x="3866515" y="4378325"/>
             <a:ext cx="0" cy="337820"/>
           </a:xfrm>
           <a:prstGeom prst="straightConnector1">
@@ -4912,7 +5315,7 @@
         </p:nvSpPr>
         <p:spPr>
           <a:xfrm>
-            <a:off x="1658620" y="3956050"/>
+            <a:off x="3607435" y="4455795"/>
             <a:ext cx="259080" cy="183515"/>
           </a:xfrm>
           <a:prstGeom prst="rect">
@@ -4980,7 +5383,7 @@
         </p:nvSpPr>
         <p:spPr>
           <a:xfrm>
-            <a:off x="4000500" y="2321560"/>
+            <a:off x="5949315" y="2821305"/>
             <a:ext cx="914400" cy="611505"/>
           </a:xfrm>
           <a:prstGeom prst="flowChartProcess">
@@ -5023,7 +5426,7 @@
         </p:nvSpPr>
         <p:spPr>
           <a:xfrm>
-            <a:off x="4000500" y="1394460"/>
+            <a:off x="5949315" y="1894205"/>
             <a:ext cx="914400" cy="611505"/>
           </a:xfrm>
           <a:prstGeom prst="flowChartProcess">
@@ -5069,7 +5472,7 @@
         </p:nvCxnSpPr>
         <p:spPr>
           <a:xfrm>
-            <a:off x="3644900" y="2626995"/>
+            <a:off x="5593715" y="3126740"/>
             <a:ext cx="355600" cy="635"/>
           </a:xfrm>
           <a:prstGeom prst="straightConnector1">
@@ -5102,7 +5505,7 @@
         </p:nvSpPr>
         <p:spPr>
           <a:xfrm>
-            <a:off x="3693160" y="2444115"/>
+            <a:off x="5641975" y="2943860"/>
             <a:ext cx="259080" cy="183515"/>
           </a:xfrm>
           <a:prstGeom prst="rect">
@@ -5131,7 +5534,7 @@
         </p:nvSpPr>
         <p:spPr>
           <a:xfrm>
-            <a:off x="4000500" y="461010"/>
+            <a:off x="5949315" y="960755"/>
             <a:ext cx="914400" cy="611505"/>
           </a:xfrm>
           <a:prstGeom prst="flowChartProcess">
@@ -5177,7 +5580,7 @@
         </p:nvCxnSpPr>
         <p:spPr>
           <a:xfrm rot="16200000">
-            <a:off x="2816860" y="1137285"/>
+            <a:off x="4765993" y="1637348"/>
             <a:ext cx="1553845" cy="812800"/>
           </a:xfrm>
           <a:prstGeom prst="bentConnector2">
@@ -5213,7 +5616,7 @@
         </p:nvCxnSpPr>
         <p:spPr>
           <a:xfrm rot="16200000">
-            <a:off x="3283585" y="1604010"/>
+            <a:off x="5232718" y="2104073"/>
             <a:ext cx="620395" cy="812800"/>
           </a:xfrm>
           <a:prstGeom prst="bentConnector2">
@@ -5246,7 +5649,7 @@
         </p:nvSpPr>
         <p:spPr>
           <a:xfrm>
-            <a:off x="2928620" y="1918970"/>
+            <a:off x="4877435" y="2418715"/>
             <a:ext cx="259080" cy="183515"/>
           </a:xfrm>
           <a:prstGeom prst="rect">
@@ -5267,6 +5670,1642 @@
           </a:p>
         </p:txBody>
       </p:sp>
+    </p:spTree>
+  </p:cSld>
+  <p:clrMapOvr>
+    <a:masterClrMapping/>
+  </p:clrMapOvr>
+</p:sld>
+</file>
+
+<file path=ppt/slides/slide3.xml><?xml version="1.0" encoding="utf-8"?>
+<p:sld xmlns:a="http://schemas.openxmlformats.org/drawingml/2006/main" xmlns:r="http://schemas.openxmlformats.org/officeDocument/2006/relationships" xmlns:p="http://schemas.openxmlformats.org/presentationml/2006/main">
+  <p:cSld>
+    <p:spTree>
+      <p:nvGrpSpPr>
+        <p:cNvPr id="1" name=""/>
+        <p:cNvGrpSpPr/>
+        <p:nvPr/>
+      </p:nvGrpSpPr>
+      <p:grpSpPr/>
+      <p:sp>
+        <p:nvSpPr>
+          <p:cNvPr id="18" name="文本框 17"/>
+          <p:cNvSpPr txBox="1"/>
+          <p:nvPr/>
+        </p:nvSpPr>
+        <p:spPr>
+          <a:xfrm>
+            <a:off x="59690" y="261620"/>
+            <a:ext cx="259080" cy="183515"/>
+          </a:xfrm>
+          <a:prstGeom prst="rect">
+            <a:avLst/>
+          </a:prstGeom>
+          <a:noFill/>
+        </p:spPr>
+        <p:txBody>
+          <a:bodyPr wrap="none" rtlCol="0">
+            <a:spAutoFit/>
+          </a:bodyPr>
+          <a:p>
+            <a:r>
+              <a:rPr lang="zh-CN" altLang="en-US" sz="600"/>
+              <a:t>是</a:t>
+            </a:r>
+            <a:endParaRPr lang="zh-CN" altLang="en-US" sz="600"/>
+          </a:p>
+        </p:txBody>
+      </p:sp>
+      <p:sp>
+        <p:nvSpPr>
+          <p:cNvPr id="19" name="文本框 18"/>
+          <p:cNvSpPr txBox="1"/>
+          <p:nvPr/>
+        </p:nvSpPr>
+        <p:spPr>
+          <a:xfrm>
+            <a:off x="471170" y="261620"/>
+            <a:ext cx="259080" cy="183515"/>
+          </a:xfrm>
+          <a:prstGeom prst="rect">
+            <a:avLst/>
+          </a:prstGeom>
+          <a:noFill/>
+        </p:spPr>
+        <p:txBody>
+          <a:bodyPr wrap="none" rtlCol="0">
+            <a:spAutoFit/>
+          </a:bodyPr>
+          <a:p>
+            <a:r>
+              <a:rPr lang="zh-CN" altLang="en-US" sz="600"/>
+              <a:t>否</a:t>
+            </a:r>
+            <a:endParaRPr lang="zh-CN" altLang="en-US" sz="600"/>
+          </a:p>
+        </p:txBody>
+      </p:sp>
+      <p:sp>
+        <p:nvSpPr>
+          <p:cNvPr id="28" name="流程图: 决策 27"/>
+          <p:cNvSpPr/>
+          <p:nvPr/>
+        </p:nvSpPr>
+        <p:spPr>
+          <a:xfrm>
+            <a:off x="882650" y="47625"/>
+            <a:ext cx="914400" cy="611505"/>
+          </a:xfrm>
+          <a:prstGeom prst="flowChartDecision">
+            <a:avLst/>
+          </a:prstGeom>
+        </p:spPr>
+        <p:style>
+          <a:lnRef idx="2">
+            <a:schemeClr val="accent1">
+              <a:shade val="50000"/>
+            </a:schemeClr>
+          </a:lnRef>
+          <a:fillRef idx="1">
+            <a:schemeClr val="accent1"/>
+          </a:fillRef>
+          <a:effectRef idx="0">
+            <a:schemeClr val="accent1"/>
+          </a:effectRef>
+          <a:fontRef idx="minor">
+            <a:schemeClr val="lt1"/>
+          </a:fontRef>
+        </p:style>
+        <p:txBody>
+          <a:bodyPr rtlCol="0" anchor="ctr"/>
+          <a:p>
+            <a:pPr algn="ctr"/>
+            <a:endParaRPr lang="zh-CN" altLang="en-US" sz="600"/>
+          </a:p>
+        </p:txBody>
+      </p:sp>
+      <p:sp>
+        <p:nvSpPr>
+          <p:cNvPr id="4" name="流程图: 决策 3"/>
+          <p:cNvSpPr/>
+          <p:nvPr/>
+        </p:nvSpPr>
+        <p:spPr>
+          <a:xfrm>
+            <a:off x="2124710" y="2959735"/>
+            <a:ext cx="914400" cy="611505"/>
+          </a:xfrm>
+          <a:prstGeom prst="flowChartDecision">
+            <a:avLst/>
+          </a:prstGeom>
+        </p:spPr>
+        <p:style>
+          <a:lnRef idx="2">
+            <a:schemeClr val="accent1">
+              <a:shade val="50000"/>
+            </a:schemeClr>
+          </a:lnRef>
+          <a:fillRef idx="1">
+            <a:schemeClr val="accent1"/>
+          </a:fillRef>
+          <a:effectRef idx="0">
+            <a:schemeClr val="accent1"/>
+          </a:effectRef>
+          <a:fontRef idx="minor">
+            <a:schemeClr val="lt1"/>
+          </a:fontRef>
+        </p:style>
+        <p:txBody>
+          <a:bodyPr rtlCol="0" anchor="ctr"/>
+          <a:p>
+            <a:pPr algn="ctr"/>
+            <a:r>
+              <a:rPr lang="zh-CN" altLang="en-US" sz="600"/>
+              <a:t>执行路由修复</a:t>
+            </a:r>
+            <a:endParaRPr lang="zh-CN" altLang="en-US" sz="600"/>
+          </a:p>
+        </p:txBody>
+      </p:sp>
+      <p:sp>
+        <p:nvSpPr>
+          <p:cNvPr id="5" name="流程图: 或者 4"/>
+          <p:cNvSpPr/>
+          <p:nvPr/>
+        </p:nvSpPr>
+        <p:spPr>
+          <a:xfrm>
+            <a:off x="809625" y="2959735"/>
+            <a:ext cx="611505" cy="611505"/>
+          </a:xfrm>
+          <a:prstGeom prst="flowChartOr">
+            <a:avLst/>
+          </a:prstGeom>
+        </p:spPr>
+        <p:style>
+          <a:lnRef idx="2">
+            <a:schemeClr val="accent1">
+              <a:shade val="50000"/>
+            </a:schemeClr>
+          </a:lnRef>
+          <a:fillRef idx="1">
+            <a:schemeClr val="accent1"/>
+          </a:fillRef>
+          <a:effectRef idx="0">
+            <a:schemeClr val="accent1"/>
+          </a:effectRef>
+          <a:fontRef idx="minor">
+            <a:schemeClr val="lt1"/>
+          </a:fontRef>
+        </p:style>
+        <p:txBody>
+          <a:bodyPr rtlCol="0" anchor="ctr"/>
+          <a:p>
+            <a:pPr algn="ctr"/>
+            <a:endParaRPr lang="zh-CN" altLang="en-US"/>
+          </a:p>
+        </p:txBody>
+      </p:sp>
+      <p:sp>
+        <p:nvSpPr>
+          <p:cNvPr id="6" name="流程图: 过程 5"/>
+          <p:cNvSpPr/>
+          <p:nvPr/>
+        </p:nvSpPr>
+        <p:spPr>
+          <a:xfrm>
+            <a:off x="658495" y="1873885"/>
+            <a:ext cx="914400" cy="611505"/>
+          </a:xfrm>
+          <a:prstGeom prst="flowChartProcess">
+            <a:avLst/>
+          </a:prstGeom>
+        </p:spPr>
+        <p:style>
+          <a:lnRef idx="2">
+            <a:schemeClr val="accent1">
+              <a:shade val="50000"/>
+            </a:schemeClr>
+          </a:lnRef>
+          <a:fillRef idx="1">
+            <a:schemeClr val="accent1"/>
+          </a:fillRef>
+          <a:effectRef idx="0">
+            <a:schemeClr val="accent1"/>
+          </a:effectRef>
+          <a:fontRef idx="minor">
+            <a:schemeClr val="lt1"/>
+          </a:fontRef>
+        </p:style>
+        <p:txBody>
+          <a:bodyPr rtlCol="0" anchor="ctr"/>
+          <a:p>
+            <a:pPr algn="ctr"/>
+            <a:r>
+              <a:rPr lang="en-US" altLang="zh-CN" sz="600">
+                <a:solidFill>
+                  <a:schemeClr val="bg1"/>
+                </a:solidFill>
+                <a:uFillTx/>
+              </a:rPr>
+              <a:t>中间节点接收到路由表中不存在的目的地址的分组</a:t>
+            </a:r>
+            <a:endParaRPr lang="en-US" altLang="zh-CN" sz="600">
+              <a:solidFill>
+                <a:schemeClr val="bg1"/>
+              </a:solidFill>
+              <a:uFillTx/>
+            </a:endParaRPr>
+          </a:p>
+        </p:txBody>
+      </p:sp>
+      <p:cxnSp>
+        <p:nvCxnSpPr>
+          <p:cNvPr id="8" name="直接箭头连接符 7"/>
+          <p:cNvCxnSpPr>
+            <a:stCxn id="6" idx="2"/>
+            <a:endCxn id="5" idx="0"/>
+          </p:cNvCxnSpPr>
+          <p:nvPr/>
+        </p:nvCxnSpPr>
+        <p:spPr>
+          <a:xfrm>
+            <a:off x="1115695" y="2485390"/>
+            <a:ext cx="0" cy="474345"/>
+          </a:xfrm>
+          <a:prstGeom prst="straightConnector1">
+            <a:avLst/>
+          </a:prstGeom>
+          <a:ln>
+            <a:tailEnd type="arrow"/>
+          </a:ln>
+        </p:spPr>
+        <p:style>
+          <a:lnRef idx="1">
+            <a:schemeClr val="accent1"/>
+          </a:lnRef>
+          <a:fillRef idx="0">
+            <a:schemeClr val="accent1"/>
+          </a:fillRef>
+          <a:effectRef idx="0">
+            <a:schemeClr val="accent1"/>
+          </a:effectRef>
+          <a:fontRef idx="minor">
+            <a:schemeClr val="tx1"/>
+          </a:fontRef>
+        </p:style>
+      </p:cxnSp>
+      <p:sp>
+        <p:nvSpPr>
+          <p:cNvPr id="10" name="流程图: 过程 9"/>
+          <p:cNvSpPr/>
+          <p:nvPr/>
+        </p:nvSpPr>
+        <p:spPr>
+          <a:xfrm>
+            <a:off x="657860" y="4325620"/>
+            <a:ext cx="914400" cy="611505"/>
+          </a:xfrm>
+          <a:prstGeom prst="flowChartProcess">
+            <a:avLst/>
+          </a:prstGeom>
+        </p:spPr>
+        <p:style>
+          <a:lnRef idx="2">
+            <a:schemeClr val="accent1">
+              <a:shade val="50000"/>
+            </a:schemeClr>
+          </a:lnRef>
+          <a:fillRef idx="1">
+            <a:schemeClr val="accent1"/>
+          </a:fillRef>
+          <a:effectRef idx="0">
+            <a:schemeClr val="accent1"/>
+          </a:effectRef>
+          <a:fontRef idx="minor">
+            <a:schemeClr val="lt1"/>
+          </a:fontRef>
+        </p:style>
+        <p:txBody>
+          <a:bodyPr rtlCol="0" anchor="ctr"/>
+          <a:p>
+            <a:pPr algn="ctr"/>
+            <a:r>
+              <a:rPr lang="en-US" altLang="zh-CN" sz="600">
+                <a:solidFill>
+                  <a:schemeClr val="bg1"/>
+                </a:solidFill>
+                <a:uFillTx/>
+                <a:sym typeface="+mn-ea"/>
+              </a:rPr>
+              <a:t>假设传输不成功（MCPS-DATA.confirm状态等于TRANSACTION_EXPIRED或NO_ACK）。</a:t>
+            </a:r>
+            <a:endParaRPr lang="en-US" altLang="zh-CN" sz="600">
+              <a:solidFill>
+                <a:schemeClr val="bg1"/>
+              </a:solidFill>
+              <a:uFillTx/>
+            </a:endParaRPr>
+          </a:p>
+        </p:txBody>
+      </p:sp>
+      <p:cxnSp>
+        <p:nvCxnSpPr>
+          <p:cNvPr id="11" name="直接箭头连接符 10"/>
+          <p:cNvCxnSpPr>
+            <a:stCxn id="10" idx="0"/>
+            <a:endCxn id="5" idx="4"/>
+          </p:cNvCxnSpPr>
+          <p:nvPr/>
+        </p:nvCxnSpPr>
+        <p:spPr>
+          <a:xfrm flipV="1">
+            <a:off x="1115060" y="3571240"/>
+            <a:ext cx="635" cy="754380"/>
+          </a:xfrm>
+          <a:prstGeom prst="straightConnector1">
+            <a:avLst/>
+          </a:prstGeom>
+          <a:ln>
+            <a:tailEnd type="arrow"/>
+          </a:ln>
+        </p:spPr>
+        <p:style>
+          <a:lnRef idx="1">
+            <a:schemeClr val="accent1"/>
+          </a:lnRef>
+          <a:fillRef idx="0">
+            <a:schemeClr val="accent1"/>
+          </a:fillRef>
+          <a:effectRef idx="0">
+            <a:schemeClr val="accent1"/>
+          </a:effectRef>
+          <a:fontRef idx="minor">
+            <a:schemeClr val="tx1"/>
+          </a:fontRef>
+        </p:style>
+      </p:cxnSp>
+      <p:cxnSp>
+        <p:nvCxnSpPr>
+          <p:cNvPr id="12" name="直接箭头连接符 11"/>
+          <p:cNvCxnSpPr>
+            <a:stCxn id="5" idx="6"/>
+            <a:endCxn id="4" idx="1"/>
+          </p:cNvCxnSpPr>
+          <p:nvPr/>
+        </p:nvCxnSpPr>
+        <p:spPr>
+          <a:xfrm>
+            <a:off x="1421130" y="3265805"/>
+            <a:ext cx="703580" cy="0"/>
+          </a:xfrm>
+          <a:prstGeom prst="straightConnector1">
+            <a:avLst/>
+          </a:prstGeom>
+          <a:ln>
+            <a:tailEnd type="arrow"/>
+          </a:ln>
+        </p:spPr>
+        <p:style>
+          <a:lnRef idx="1">
+            <a:schemeClr val="accent1"/>
+          </a:lnRef>
+          <a:fillRef idx="0">
+            <a:schemeClr val="accent1"/>
+          </a:fillRef>
+          <a:effectRef idx="0">
+            <a:schemeClr val="accent1"/>
+          </a:effectRef>
+          <a:fontRef idx="minor">
+            <a:schemeClr val="tx1"/>
+          </a:fontRef>
+        </p:style>
+      </p:cxnSp>
+      <p:sp>
+        <p:nvSpPr>
+          <p:cNvPr id="13" name="流程图: 过程 12"/>
+          <p:cNvSpPr/>
+          <p:nvPr/>
+        </p:nvSpPr>
+        <p:spPr>
+          <a:xfrm>
+            <a:off x="6838950" y="2348865"/>
+            <a:ext cx="914400" cy="611505"/>
+          </a:xfrm>
+          <a:prstGeom prst="flowChartProcess">
+            <a:avLst/>
+          </a:prstGeom>
+        </p:spPr>
+        <p:style>
+          <a:lnRef idx="2">
+            <a:schemeClr val="accent1">
+              <a:shade val="50000"/>
+            </a:schemeClr>
+          </a:lnRef>
+          <a:fillRef idx="1">
+            <a:schemeClr val="accent1"/>
+          </a:fillRef>
+          <a:effectRef idx="0">
+            <a:schemeClr val="accent1"/>
+          </a:effectRef>
+          <a:fontRef idx="minor">
+            <a:schemeClr val="lt1"/>
+          </a:fontRef>
+        </p:style>
+        <p:txBody>
+          <a:bodyPr rtlCol="0" anchor="ctr"/>
+          <a:p>
+            <a:pPr algn="l"/>
+            <a:r>
+              <a:rPr lang="zh-CN" altLang="en-US" sz="600">
+                <a:solidFill>
+                  <a:schemeClr val="bg1"/>
+                </a:solidFill>
+                <a:uFillTx/>
+              </a:rPr>
+              <a:t>针对</a:t>
+            </a:r>
+            <a:r>
+              <a:rPr lang="en-US" altLang="zh-CN" sz="600">
+                <a:solidFill>
+                  <a:schemeClr val="bg1"/>
+                </a:solidFill>
+                <a:uFillTx/>
+              </a:rPr>
+              <a:t>RREQ</a:t>
+            </a:r>
+            <a:r>
+              <a:rPr lang="zh-CN" altLang="en-US" sz="600">
+                <a:solidFill>
+                  <a:schemeClr val="bg1"/>
+                </a:solidFill>
+                <a:uFillTx/>
+              </a:rPr>
+              <a:t>产生</a:t>
+            </a:r>
+            <a:r>
+              <a:rPr lang="en-US" altLang="zh-CN" sz="600">
+                <a:solidFill>
+                  <a:schemeClr val="bg1"/>
+                </a:solidFill>
+                <a:uFillTx/>
+              </a:rPr>
+              <a:t>RREP</a:t>
+            </a:r>
+            <a:r>
+              <a:rPr lang="zh-CN" altLang="en-US" sz="600">
+                <a:solidFill>
+                  <a:schemeClr val="bg1"/>
+                </a:solidFill>
+                <a:uFillTx/>
+              </a:rPr>
+              <a:t>消息</a:t>
+            </a:r>
+            <a:endParaRPr lang="en-US" altLang="zh-CN" sz="600">
+              <a:solidFill>
+                <a:schemeClr val="bg1"/>
+              </a:solidFill>
+              <a:uFillTx/>
+            </a:endParaRPr>
+          </a:p>
+        </p:txBody>
+      </p:sp>
+      <p:sp>
+        <p:nvSpPr>
+          <p:cNvPr id="15" name="流程图: 数据 14"/>
+          <p:cNvSpPr/>
+          <p:nvPr/>
+        </p:nvSpPr>
+        <p:spPr>
+          <a:xfrm>
+            <a:off x="2124710" y="1873885"/>
+            <a:ext cx="914400" cy="611505"/>
+          </a:xfrm>
+          <a:prstGeom prst="flowChartInputOutput">
+            <a:avLst/>
+          </a:prstGeom>
+        </p:spPr>
+        <p:style>
+          <a:lnRef idx="2">
+            <a:schemeClr val="accent1">
+              <a:shade val="50000"/>
+            </a:schemeClr>
+          </a:lnRef>
+          <a:fillRef idx="1">
+            <a:schemeClr val="accent1"/>
+          </a:fillRef>
+          <a:effectRef idx="0">
+            <a:schemeClr val="accent1"/>
+          </a:effectRef>
+          <a:fontRef idx="minor">
+            <a:schemeClr val="lt1"/>
+          </a:fontRef>
+        </p:style>
+        <p:txBody>
+          <a:bodyPr rtlCol="0" anchor="ctr"/>
+          <a:p>
+            <a:pPr algn="ctr"/>
+            <a:r>
+              <a:rPr lang="zh-CN" altLang="en-US" sz="600"/>
+              <a:t>在路由修复过程中缓冲数据包待处理。</a:t>
+            </a:r>
+            <a:endParaRPr lang="zh-CN" altLang="en-US" sz="600"/>
+          </a:p>
+        </p:txBody>
+      </p:sp>
+      <p:cxnSp>
+        <p:nvCxnSpPr>
+          <p:cNvPr id="16" name="直接箭头连接符 15"/>
+          <p:cNvCxnSpPr>
+            <a:stCxn id="4" idx="0"/>
+            <a:endCxn id="15" idx="4"/>
+          </p:cNvCxnSpPr>
+          <p:nvPr/>
+        </p:nvCxnSpPr>
+        <p:spPr>
+          <a:xfrm flipV="1">
+            <a:off x="2581910" y="2485390"/>
+            <a:ext cx="0" cy="474345"/>
+          </a:xfrm>
+          <a:prstGeom prst="straightConnector1">
+            <a:avLst/>
+          </a:prstGeom>
+          <a:ln>
+            <a:tailEnd type="arrow"/>
+          </a:ln>
+        </p:spPr>
+        <p:style>
+          <a:lnRef idx="1">
+            <a:schemeClr val="accent1"/>
+          </a:lnRef>
+          <a:fillRef idx="0">
+            <a:schemeClr val="accent1"/>
+          </a:fillRef>
+          <a:effectRef idx="0">
+            <a:schemeClr val="accent1"/>
+          </a:effectRef>
+          <a:fontRef idx="minor">
+            <a:schemeClr val="tx1"/>
+          </a:fontRef>
+        </p:style>
+      </p:cxnSp>
+      <p:sp>
+        <p:nvSpPr>
+          <p:cNvPr id="24" name="流程图: 资料带 23"/>
+          <p:cNvSpPr/>
+          <p:nvPr/>
+        </p:nvSpPr>
+        <p:spPr>
+          <a:xfrm>
+            <a:off x="3697605" y="1659255"/>
+            <a:ext cx="914400" cy="1041400"/>
+          </a:xfrm>
+          <a:prstGeom prst="flowChartPunchedTape">
+            <a:avLst/>
+          </a:prstGeom>
+        </p:spPr>
+        <p:style>
+          <a:lnRef idx="2">
+            <a:schemeClr val="accent1">
+              <a:shade val="50000"/>
+            </a:schemeClr>
+          </a:lnRef>
+          <a:fillRef idx="1">
+            <a:schemeClr val="accent1"/>
+          </a:fillRef>
+          <a:effectRef idx="0">
+            <a:schemeClr val="accent1"/>
+          </a:effectRef>
+          <a:fontRef idx="minor">
+            <a:schemeClr val="lt1"/>
+          </a:fontRef>
+        </p:style>
+        <p:txBody>
+          <a:bodyPr rtlCol="0" anchor="ctr"/>
+          <a:p>
+            <a:pPr algn="l"/>
+            <a:r>
+              <a:rPr lang="zh-CN" altLang="en-US" sz="600"/>
+              <a:t>发起方地址：自己的地址</a:t>
+            </a:r>
+            <a:endParaRPr lang="zh-CN" altLang="en-US" sz="600"/>
+          </a:p>
+          <a:p>
+            <a:pPr algn="l"/>
+            <a:r>
+              <a:rPr lang="zh-CN" altLang="en-US" sz="600"/>
+              <a:t>目标地址：数据包的最终地址</a:t>
+            </a:r>
+            <a:endParaRPr lang="zh-CN" altLang="en-US" sz="600"/>
+          </a:p>
+          <a:p>
+            <a:pPr algn="l"/>
+            <a:r>
+              <a:rPr lang="zh-CN" altLang="en-US" sz="600"/>
+              <a:t>路由修复标志：</a:t>
+            </a:r>
+            <a:r>
+              <a:rPr lang="en-US" altLang="zh-CN" sz="600"/>
+              <a:t>1</a:t>
+            </a:r>
+            <a:endParaRPr lang="en-US" altLang="zh-CN" sz="600"/>
+          </a:p>
+          <a:p>
+            <a:pPr algn="l"/>
+            <a:r>
+              <a:rPr lang="en-US" altLang="zh-CN" sz="600"/>
+              <a:t>Hop Limit</a:t>
+            </a:r>
+            <a:r>
+              <a:rPr lang="zh-CN" altLang="en-US" sz="600"/>
+              <a:t>：</a:t>
+            </a:r>
+            <a:r>
+              <a:rPr lang="en-US" altLang="zh-CN" sz="600"/>
+              <a:t>HopLeft-1</a:t>
+            </a:r>
+            <a:endParaRPr lang="en-US" altLang="zh-CN" sz="600"/>
+          </a:p>
+        </p:txBody>
+      </p:sp>
+      <p:sp>
+        <p:nvSpPr>
+          <p:cNvPr id="27" name="流程图: 过程 26"/>
+          <p:cNvSpPr/>
+          <p:nvPr/>
+        </p:nvSpPr>
+        <p:spPr>
+          <a:xfrm>
+            <a:off x="3697605" y="2960370"/>
+            <a:ext cx="914400" cy="611505"/>
+          </a:xfrm>
+          <a:prstGeom prst="flowChartProcess">
+            <a:avLst/>
+          </a:prstGeom>
+        </p:spPr>
+        <p:style>
+          <a:lnRef idx="2">
+            <a:schemeClr val="accent1">
+              <a:shade val="50000"/>
+            </a:schemeClr>
+          </a:lnRef>
+          <a:fillRef idx="1">
+            <a:schemeClr val="accent1"/>
+          </a:fillRef>
+          <a:effectRef idx="0">
+            <a:schemeClr val="accent1"/>
+          </a:effectRef>
+          <a:fontRef idx="minor">
+            <a:schemeClr val="lt1"/>
+          </a:fontRef>
+        </p:style>
+        <p:txBody>
+          <a:bodyPr rtlCol="0" anchor="ctr"/>
+          <a:p>
+            <a:pPr algn="ctr"/>
+            <a:r>
+              <a:rPr lang="zh-CN" altLang="en-US" sz="600">
+                <a:solidFill>
+                  <a:schemeClr val="bg1"/>
+                </a:solidFill>
+                <a:uFillTx/>
+              </a:rPr>
+              <a:t>设置路由请求参数</a:t>
+            </a:r>
+            <a:endParaRPr lang="zh-CN" altLang="en-US" sz="600">
+              <a:solidFill>
+                <a:schemeClr val="bg1"/>
+              </a:solidFill>
+              <a:uFillTx/>
+            </a:endParaRPr>
+          </a:p>
+        </p:txBody>
+      </p:sp>
+      <p:sp>
+        <p:nvSpPr>
+          <p:cNvPr id="29" name="流程图: 过程 28"/>
+          <p:cNvSpPr/>
+          <p:nvPr/>
+        </p:nvSpPr>
+        <p:spPr>
+          <a:xfrm>
+            <a:off x="5267325" y="2959735"/>
+            <a:ext cx="914400" cy="611505"/>
+          </a:xfrm>
+          <a:prstGeom prst="flowChartProcess">
+            <a:avLst/>
+          </a:prstGeom>
+        </p:spPr>
+        <p:style>
+          <a:lnRef idx="2">
+            <a:schemeClr val="accent1">
+              <a:shade val="50000"/>
+            </a:schemeClr>
+          </a:lnRef>
+          <a:fillRef idx="1">
+            <a:schemeClr val="accent1"/>
+          </a:fillRef>
+          <a:effectRef idx="0">
+            <a:schemeClr val="accent1"/>
+          </a:effectRef>
+          <a:fontRef idx="minor">
+            <a:schemeClr val="lt1"/>
+          </a:fontRef>
+        </p:style>
+        <p:txBody>
+          <a:bodyPr rtlCol="0" anchor="ctr"/>
+          <a:p>
+            <a:pPr algn="ctr"/>
+            <a:r>
+              <a:rPr lang="zh-CN" altLang="en-US" sz="600">
+                <a:solidFill>
+                  <a:schemeClr val="bg1"/>
+                </a:solidFill>
+                <a:uFillTx/>
+              </a:rPr>
+              <a:t>发起路由请求（</a:t>
+            </a:r>
+            <a:r>
+              <a:rPr lang="en-US" altLang="zh-CN" sz="600">
+                <a:solidFill>
+                  <a:schemeClr val="bg1"/>
+                </a:solidFill>
+                <a:uFillTx/>
+              </a:rPr>
+              <a:t>RREQ</a:t>
+            </a:r>
+            <a:r>
+              <a:rPr lang="zh-CN" altLang="en-US" sz="600">
+                <a:solidFill>
+                  <a:schemeClr val="bg1"/>
+                </a:solidFill>
+                <a:uFillTx/>
+              </a:rPr>
+              <a:t>）</a:t>
+            </a:r>
+            <a:endParaRPr lang="zh-CN" altLang="en-US" sz="600">
+              <a:solidFill>
+                <a:schemeClr val="bg1"/>
+              </a:solidFill>
+              <a:uFillTx/>
+            </a:endParaRPr>
+          </a:p>
+        </p:txBody>
+      </p:sp>
+      <p:cxnSp>
+        <p:nvCxnSpPr>
+          <p:cNvPr id="30" name="直接箭头连接符 29"/>
+          <p:cNvCxnSpPr>
+            <a:stCxn id="4" idx="3"/>
+            <a:endCxn id="27" idx="1"/>
+          </p:cNvCxnSpPr>
+          <p:nvPr/>
+        </p:nvCxnSpPr>
+        <p:spPr>
+          <a:xfrm>
+            <a:off x="3039110" y="3265805"/>
+            <a:ext cx="658495" cy="635"/>
+          </a:xfrm>
+          <a:prstGeom prst="straightConnector1">
+            <a:avLst/>
+          </a:prstGeom>
+          <a:ln>
+            <a:tailEnd type="arrow"/>
+          </a:ln>
+        </p:spPr>
+        <p:style>
+          <a:lnRef idx="1">
+            <a:schemeClr val="accent1"/>
+          </a:lnRef>
+          <a:fillRef idx="0">
+            <a:schemeClr val="accent1"/>
+          </a:fillRef>
+          <a:effectRef idx="0">
+            <a:schemeClr val="accent1"/>
+          </a:effectRef>
+          <a:fontRef idx="minor">
+            <a:schemeClr val="tx1"/>
+          </a:fontRef>
+        </p:style>
+      </p:cxnSp>
+      <p:cxnSp>
+        <p:nvCxnSpPr>
+          <p:cNvPr id="34" name="直接箭头连接符 33"/>
+          <p:cNvCxnSpPr>
+            <a:stCxn id="27" idx="0"/>
+            <a:endCxn id="24" idx="2"/>
+          </p:cNvCxnSpPr>
+          <p:nvPr/>
+        </p:nvCxnSpPr>
+        <p:spPr>
+          <a:xfrm flipV="1">
+            <a:off x="4154805" y="2596515"/>
+            <a:ext cx="0" cy="363855"/>
+          </a:xfrm>
+          <a:prstGeom prst="straightConnector1">
+            <a:avLst/>
+          </a:prstGeom>
+          <a:ln>
+            <a:tailEnd type="arrow"/>
+          </a:ln>
+        </p:spPr>
+        <p:style>
+          <a:lnRef idx="1">
+            <a:schemeClr val="accent1"/>
+          </a:lnRef>
+          <a:fillRef idx="0">
+            <a:schemeClr val="accent1"/>
+          </a:fillRef>
+          <a:effectRef idx="0">
+            <a:schemeClr val="accent1"/>
+          </a:effectRef>
+          <a:fontRef idx="minor">
+            <a:schemeClr val="tx1"/>
+          </a:fontRef>
+        </p:style>
+      </p:cxnSp>
+      <p:cxnSp>
+        <p:nvCxnSpPr>
+          <p:cNvPr id="35" name="肘形连接符 34"/>
+          <p:cNvCxnSpPr>
+            <a:stCxn id="24" idx="3"/>
+            <a:endCxn id="29" idx="0"/>
+          </p:cNvCxnSpPr>
+          <p:nvPr/>
+        </p:nvCxnSpPr>
+        <p:spPr>
+          <a:xfrm>
+            <a:off x="4612005" y="2179955"/>
+            <a:ext cx="1112520" cy="779780"/>
+          </a:xfrm>
+          <a:prstGeom prst="bentConnector2">
+            <a:avLst/>
+          </a:prstGeom>
+          <a:ln>
+            <a:tailEnd type="arrow"/>
+          </a:ln>
+        </p:spPr>
+        <p:style>
+          <a:lnRef idx="1">
+            <a:schemeClr val="accent1"/>
+          </a:lnRef>
+          <a:fillRef idx="0">
+            <a:schemeClr val="accent1"/>
+          </a:fillRef>
+          <a:effectRef idx="0">
+            <a:schemeClr val="accent1"/>
+          </a:effectRef>
+          <a:fontRef idx="minor">
+            <a:schemeClr val="tx1"/>
+          </a:fontRef>
+        </p:style>
+      </p:cxnSp>
+      <p:sp>
+        <p:nvSpPr>
+          <p:cNvPr id="36" name="流程图: 过程 35"/>
+          <p:cNvSpPr/>
+          <p:nvPr/>
+        </p:nvSpPr>
+        <p:spPr>
+          <a:xfrm>
+            <a:off x="6838950" y="3571875"/>
+            <a:ext cx="914400" cy="611505"/>
+          </a:xfrm>
+          <a:prstGeom prst="flowChartProcess">
+            <a:avLst/>
+          </a:prstGeom>
+        </p:spPr>
+        <p:style>
+          <a:lnRef idx="2">
+            <a:schemeClr val="accent1">
+              <a:shade val="50000"/>
+            </a:schemeClr>
+          </a:lnRef>
+          <a:fillRef idx="1">
+            <a:schemeClr val="accent1"/>
+          </a:fillRef>
+          <a:effectRef idx="0">
+            <a:schemeClr val="accent1"/>
+          </a:effectRef>
+          <a:fontRef idx="minor">
+            <a:schemeClr val="lt1"/>
+          </a:fontRef>
+        </p:style>
+        <p:txBody>
+          <a:bodyPr rtlCol="0" anchor="ctr"/>
+          <a:p>
+            <a:pPr algn="l"/>
+            <a:r>
+              <a:rPr lang="zh-CN" altLang="en-US" sz="600">
+                <a:solidFill>
+                  <a:schemeClr val="bg1"/>
+                </a:solidFill>
+                <a:uFillTx/>
+              </a:rPr>
+              <a:t>将</a:t>
+            </a:r>
+            <a:r>
+              <a:rPr lang="en-US" altLang="zh-CN" sz="600">
+                <a:solidFill>
+                  <a:schemeClr val="bg1"/>
+                </a:solidFill>
+                <a:uFillTx/>
+              </a:rPr>
+              <a:t>RREP</a:t>
+            </a:r>
+            <a:r>
+              <a:rPr lang="zh-CN" altLang="en-US" sz="600">
+                <a:solidFill>
+                  <a:schemeClr val="bg1"/>
+                </a:solidFill>
+                <a:uFillTx/>
+              </a:rPr>
+              <a:t>的修复标志设置为</a:t>
+            </a:r>
+            <a:r>
+              <a:rPr lang="en-US" altLang="zh-CN" sz="600">
+                <a:solidFill>
+                  <a:schemeClr val="bg1"/>
+                </a:solidFill>
+                <a:uFillTx/>
+              </a:rPr>
+              <a:t>1</a:t>
+            </a:r>
+            <a:endParaRPr lang="en-US" altLang="zh-CN" sz="600">
+              <a:solidFill>
+                <a:schemeClr val="bg1"/>
+              </a:solidFill>
+              <a:uFillTx/>
+            </a:endParaRPr>
+          </a:p>
+        </p:txBody>
+      </p:sp>
+      <p:cxnSp>
+        <p:nvCxnSpPr>
+          <p:cNvPr id="37" name="肘形连接符 36"/>
+          <p:cNvCxnSpPr>
+            <a:stCxn id="29" idx="3"/>
+            <a:endCxn id="13" idx="1"/>
+          </p:cNvCxnSpPr>
+          <p:nvPr/>
+        </p:nvCxnSpPr>
+        <p:spPr>
+          <a:xfrm flipV="1">
+            <a:off x="6181725" y="2654935"/>
+            <a:ext cx="657225" cy="610870"/>
+          </a:xfrm>
+          <a:prstGeom prst="bentConnector3">
+            <a:avLst>
+              <a:gd name="adj1" fmla="val 50048"/>
+            </a:avLst>
+          </a:prstGeom>
+          <a:ln>
+            <a:tailEnd type="arrow"/>
+          </a:ln>
+        </p:spPr>
+        <p:style>
+          <a:lnRef idx="1">
+            <a:schemeClr val="accent1"/>
+          </a:lnRef>
+          <a:fillRef idx="0">
+            <a:schemeClr val="accent1"/>
+          </a:fillRef>
+          <a:effectRef idx="0">
+            <a:schemeClr val="accent1"/>
+          </a:effectRef>
+          <a:fontRef idx="minor">
+            <a:schemeClr val="tx1"/>
+          </a:fontRef>
+        </p:style>
+      </p:cxnSp>
+      <p:cxnSp>
+        <p:nvCxnSpPr>
+          <p:cNvPr id="38" name="肘形连接符 37"/>
+          <p:cNvCxnSpPr>
+            <a:stCxn id="29" idx="3"/>
+            <a:endCxn id="36" idx="1"/>
+          </p:cNvCxnSpPr>
+          <p:nvPr/>
+        </p:nvCxnSpPr>
+        <p:spPr>
+          <a:xfrm>
+            <a:off x="6181725" y="3265805"/>
+            <a:ext cx="657225" cy="612140"/>
+          </a:xfrm>
+          <a:prstGeom prst="bentConnector3">
+            <a:avLst>
+              <a:gd name="adj1" fmla="val 50048"/>
+            </a:avLst>
+          </a:prstGeom>
+          <a:ln>
+            <a:tailEnd type="arrow"/>
+          </a:ln>
+        </p:spPr>
+        <p:style>
+          <a:lnRef idx="1">
+            <a:schemeClr val="accent1"/>
+          </a:lnRef>
+          <a:fillRef idx="0">
+            <a:schemeClr val="accent1"/>
+          </a:fillRef>
+          <a:effectRef idx="0">
+            <a:schemeClr val="accent1"/>
+          </a:effectRef>
+          <a:fontRef idx="minor">
+            <a:schemeClr val="tx1"/>
+          </a:fontRef>
+        </p:style>
+      </p:cxnSp>
+      <p:sp>
+        <p:nvSpPr>
+          <p:cNvPr id="100" name="文本框 99"/>
+          <p:cNvSpPr txBox="1"/>
+          <p:nvPr/>
+        </p:nvSpPr>
+        <p:spPr>
+          <a:xfrm>
+            <a:off x="3331210" y="4376420"/>
+            <a:ext cx="5080000" cy="252730"/>
+          </a:xfrm>
+          <a:prstGeom prst="rect">
+            <a:avLst/>
+          </a:prstGeom>
+          <a:noFill/>
+          <a:ln w="9525">
+            <a:noFill/>
+          </a:ln>
+        </p:spPr>
+        <p:txBody>
+          <a:bodyPr>
+            <a:spAutoFit/>
+          </a:bodyPr>
+          <a:p>
+            <a:pPr indent="0"/>
+            <a:r>
+              <a:rPr lang="en-US" altLang="zh-CN" sz="1050" b="0">
+                <a:latin typeface="宋体" panose="02010600030101010101" pitchFamily="2" charset="-122"/>
+                <a:ea typeface="宋体" panose="02010600030101010101" pitchFamily="2" charset="-122"/>
+                <a:cs typeface="宋体" panose="02010600030101010101" pitchFamily="2" charset="-122"/>
+              </a:rPr>
+              <a:t>adpNetTraversalTime</a:t>
+            </a:r>
+            <a:endParaRPr lang="zh-CN" altLang="en-US"/>
+          </a:p>
+        </p:txBody>
+      </p:sp>
+      <p:sp>
+        <p:nvSpPr>
+          <p:cNvPr id="43" name="流程图: 过程 42"/>
+          <p:cNvSpPr/>
+          <p:nvPr/>
+        </p:nvSpPr>
+        <p:spPr>
+          <a:xfrm>
+            <a:off x="9975850" y="3571240"/>
+            <a:ext cx="914400" cy="611505"/>
+          </a:xfrm>
+          <a:prstGeom prst="flowChartProcess">
+            <a:avLst/>
+          </a:prstGeom>
+        </p:spPr>
+        <p:style>
+          <a:lnRef idx="2">
+            <a:schemeClr val="accent1">
+              <a:shade val="50000"/>
+            </a:schemeClr>
+          </a:lnRef>
+          <a:fillRef idx="1">
+            <a:schemeClr val="accent1"/>
+          </a:fillRef>
+          <a:effectRef idx="0">
+            <a:schemeClr val="accent1"/>
+          </a:effectRef>
+          <a:fontRef idx="minor">
+            <a:schemeClr val="lt1"/>
+          </a:fontRef>
+        </p:style>
+        <p:txBody>
+          <a:bodyPr rtlCol="0" anchor="ctr"/>
+          <a:p>
+            <a:pPr algn="ctr"/>
+            <a:r>
+              <a:rPr lang="zh-CN" sz="600">
+                <a:solidFill>
+                  <a:schemeClr val="bg1"/>
+                </a:solidFill>
+                <a:uFillTx/>
+              </a:rPr>
+              <a:t>更新路由表</a:t>
+            </a:r>
+            <a:endParaRPr lang="zh-CN" sz="600">
+              <a:solidFill>
+                <a:schemeClr val="bg1"/>
+              </a:solidFill>
+              <a:uFillTx/>
+            </a:endParaRPr>
+          </a:p>
+        </p:txBody>
+      </p:sp>
+      <p:sp>
+        <p:nvSpPr>
+          <p:cNvPr id="47" name="文本框 46"/>
+          <p:cNvSpPr txBox="1"/>
+          <p:nvPr/>
+        </p:nvSpPr>
+        <p:spPr>
+          <a:xfrm>
+            <a:off x="9506585" y="3571240"/>
+            <a:ext cx="259080" cy="183515"/>
+          </a:xfrm>
+          <a:prstGeom prst="rect">
+            <a:avLst/>
+          </a:prstGeom>
+          <a:noFill/>
+        </p:spPr>
+        <p:txBody>
+          <a:bodyPr wrap="none" rtlCol="0">
+            <a:spAutoFit/>
+          </a:bodyPr>
+          <a:p>
+            <a:r>
+              <a:rPr lang="zh-CN" altLang="en-US" sz="600"/>
+              <a:t>是</a:t>
+            </a:r>
+            <a:endParaRPr lang="zh-CN" altLang="en-US" sz="600"/>
+          </a:p>
+        </p:txBody>
+      </p:sp>
+      <p:sp>
+        <p:nvSpPr>
+          <p:cNvPr id="48" name="文本框 47"/>
+          <p:cNvSpPr txBox="1"/>
+          <p:nvPr/>
+        </p:nvSpPr>
+        <p:spPr>
+          <a:xfrm>
+            <a:off x="9506585" y="2776855"/>
+            <a:ext cx="259080" cy="183515"/>
+          </a:xfrm>
+          <a:prstGeom prst="rect">
+            <a:avLst/>
+          </a:prstGeom>
+          <a:noFill/>
+        </p:spPr>
+        <p:txBody>
+          <a:bodyPr wrap="none" rtlCol="0">
+            <a:spAutoFit/>
+          </a:bodyPr>
+          <a:p>
+            <a:r>
+              <a:rPr lang="zh-CN" altLang="en-US" sz="600"/>
+              <a:t>否</a:t>
+            </a:r>
+            <a:endParaRPr lang="zh-CN" altLang="en-US" sz="600"/>
+          </a:p>
+        </p:txBody>
+      </p:sp>
+      <p:sp>
+        <p:nvSpPr>
+          <p:cNvPr id="52" name="流程图: 过程 51"/>
+          <p:cNvSpPr/>
+          <p:nvPr/>
+        </p:nvSpPr>
+        <p:spPr>
+          <a:xfrm>
+            <a:off x="9975850" y="4937125"/>
+            <a:ext cx="914400" cy="611505"/>
+          </a:xfrm>
+          <a:prstGeom prst="flowChartProcess">
+            <a:avLst/>
+          </a:prstGeom>
+        </p:spPr>
+        <p:style>
+          <a:lnRef idx="2">
+            <a:schemeClr val="accent1">
+              <a:shade val="50000"/>
+            </a:schemeClr>
+          </a:lnRef>
+          <a:fillRef idx="1">
+            <a:schemeClr val="accent1"/>
+          </a:fillRef>
+          <a:effectRef idx="0">
+            <a:schemeClr val="accent1"/>
+          </a:effectRef>
+          <a:fontRef idx="minor">
+            <a:schemeClr val="lt1"/>
+          </a:fontRef>
+        </p:style>
+        <p:txBody>
+          <a:bodyPr rtlCol="0" anchor="ctr"/>
+          <a:p>
+            <a:pPr algn="ctr"/>
+            <a:r>
+              <a:rPr lang="zh-CN" sz="600">
+                <a:solidFill>
+                  <a:schemeClr val="bg1"/>
+                </a:solidFill>
+                <a:uFillTx/>
+              </a:rPr>
+              <a:t>通过新路由发送缓存数据</a:t>
+            </a:r>
+            <a:endParaRPr lang="zh-CN" sz="600">
+              <a:solidFill>
+                <a:schemeClr val="bg1"/>
+              </a:solidFill>
+              <a:uFillTx/>
+            </a:endParaRPr>
+          </a:p>
+        </p:txBody>
+      </p:sp>
+      <p:sp>
+        <p:nvSpPr>
+          <p:cNvPr id="53" name="流程图: 决策 52"/>
+          <p:cNvSpPr/>
+          <p:nvPr/>
+        </p:nvSpPr>
+        <p:spPr>
+          <a:xfrm>
+            <a:off x="8410575" y="2842895"/>
+            <a:ext cx="1148080" cy="857885"/>
+          </a:xfrm>
+          <a:prstGeom prst="flowChartDecision">
+            <a:avLst/>
+          </a:prstGeom>
+        </p:spPr>
+        <p:style>
+          <a:lnRef idx="2">
+            <a:schemeClr val="accent1">
+              <a:shade val="50000"/>
+            </a:schemeClr>
+          </a:lnRef>
+          <a:fillRef idx="1">
+            <a:schemeClr val="accent1"/>
+          </a:fillRef>
+          <a:effectRef idx="0">
+            <a:schemeClr val="accent1"/>
+          </a:effectRef>
+          <a:fontRef idx="minor">
+            <a:schemeClr val="lt1"/>
+          </a:fontRef>
+        </p:style>
+        <p:txBody>
+          <a:bodyPr rtlCol="0" anchor="ctr"/>
+          <a:p>
+            <a:pPr algn="l"/>
+            <a:r>
+              <a:rPr lang="en-US" altLang="zh-CN" sz="600">
+                <a:solidFill>
+                  <a:schemeClr val="bg1"/>
+                </a:solidFill>
+                <a:uFillTx/>
+                <a:sym typeface="+mn-ea"/>
+              </a:rPr>
+              <a:t>2 * adpNetTraversalTime</a:t>
+            </a:r>
+            <a:r>
+              <a:rPr lang="zh-CN" altLang="en-US" sz="600">
+                <a:solidFill>
+                  <a:schemeClr val="bg1"/>
+                </a:solidFill>
+                <a:uFillTx/>
+                <a:sym typeface="+mn-ea"/>
+              </a:rPr>
+              <a:t>秒之内从最终目的地收到</a:t>
+            </a:r>
+            <a:r>
+              <a:rPr lang="en-US" altLang="zh-CN" sz="600">
+                <a:solidFill>
+                  <a:schemeClr val="bg1"/>
+                </a:solidFill>
+                <a:uFillTx/>
+                <a:sym typeface="+mn-ea"/>
+              </a:rPr>
+              <a:t>RREP</a:t>
+            </a:r>
+            <a:endParaRPr lang="en-US" altLang="zh-CN" sz="600">
+              <a:solidFill>
+                <a:schemeClr val="bg1"/>
+              </a:solidFill>
+              <a:uFillTx/>
+            </a:endParaRPr>
+          </a:p>
+          <a:p>
+            <a:pPr algn="l"/>
+            <a:endParaRPr lang="zh-CN" altLang="en-US" sz="600"/>
+          </a:p>
+        </p:txBody>
+      </p:sp>
+      <p:cxnSp>
+        <p:nvCxnSpPr>
+          <p:cNvPr id="54" name="肘形连接符 53"/>
+          <p:cNvCxnSpPr>
+            <a:stCxn id="13" idx="3"/>
+            <a:endCxn id="53" idx="1"/>
+          </p:cNvCxnSpPr>
+          <p:nvPr/>
+        </p:nvCxnSpPr>
+        <p:spPr>
+          <a:xfrm>
+            <a:off x="7753350" y="2654935"/>
+            <a:ext cx="657225" cy="617220"/>
+          </a:xfrm>
+          <a:prstGeom prst="bentConnector3">
+            <a:avLst>
+              <a:gd name="adj1" fmla="val 50048"/>
+            </a:avLst>
+          </a:prstGeom>
+          <a:ln>
+            <a:tailEnd type="arrow"/>
+          </a:ln>
+        </p:spPr>
+        <p:style>
+          <a:lnRef idx="1">
+            <a:schemeClr val="accent1"/>
+          </a:lnRef>
+          <a:fillRef idx="0">
+            <a:schemeClr val="accent1"/>
+          </a:fillRef>
+          <a:effectRef idx="0">
+            <a:schemeClr val="accent1"/>
+          </a:effectRef>
+          <a:fontRef idx="minor">
+            <a:schemeClr val="tx1"/>
+          </a:fontRef>
+        </p:style>
+      </p:cxnSp>
+      <p:cxnSp>
+        <p:nvCxnSpPr>
+          <p:cNvPr id="55" name="肘形连接符 54"/>
+          <p:cNvCxnSpPr>
+            <a:stCxn id="36" idx="3"/>
+            <a:endCxn id="53" idx="1"/>
+          </p:cNvCxnSpPr>
+          <p:nvPr/>
+        </p:nvCxnSpPr>
+        <p:spPr>
+          <a:xfrm flipV="1">
+            <a:off x="7753350" y="3272155"/>
+            <a:ext cx="657225" cy="605790"/>
+          </a:xfrm>
+          <a:prstGeom prst="bentConnector3">
+            <a:avLst>
+              <a:gd name="adj1" fmla="val 50048"/>
+            </a:avLst>
+          </a:prstGeom>
+          <a:ln>
+            <a:tailEnd type="arrow"/>
+          </a:ln>
+        </p:spPr>
+        <p:style>
+          <a:lnRef idx="1">
+            <a:schemeClr val="accent1"/>
+          </a:lnRef>
+          <a:fillRef idx="0">
+            <a:schemeClr val="accent1"/>
+          </a:fillRef>
+          <a:effectRef idx="0">
+            <a:schemeClr val="accent1"/>
+          </a:effectRef>
+          <a:fontRef idx="minor">
+            <a:schemeClr val="tx1"/>
+          </a:fontRef>
+        </p:style>
+      </p:cxnSp>
+      <p:cxnSp>
+        <p:nvCxnSpPr>
+          <p:cNvPr id="58" name="肘形连接符 57"/>
+          <p:cNvCxnSpPr>
+            <a:stCxn id="53" idx="3"/>
+            <a:endCxn id="43" idx="1"/>
+          </p:cNvCxnSpPr>
+          <p:nvPr/>
+        </p:nvCxnSpPr>
+        <p:spPr>
+          <a:xfrm>
+            <a:off x="9558655" y="3272155"/>
+            <a:ext cx="417195" cy="605155"/>
+          </a:xfrm>
+          <a:prstGeom prst="bentConnector3">
+            <a:avLst>
+              <a:gd name="adj1" fmla="val 50076"/>
+            </a:avLst>
+          </a:prstGeom>
+          <a:ln>
+            <a:tailEnd type="arrow"/>
+          </a:ln>
+        </p:spPr>
+        <p:style>
+          <a:lnRef idx="1">
+            <a:schemeClr val="accent1"/>
+          </a:lnRef>
+          <a:fillRef idx="0">
+            <a:schemeClr val="accent1"/>
+          </a:fillRef>
+          <a:effectRef idx="0">
+            <a:schemeClr val="accent1"/>
+          </a:effectRef>
+          <a:fontRef idx="minor">
+            <a:schemeClr val="tx1"/>
+          </a:fontRef>
+        </p:style>
+      </p:cxnSp>
+      <p:sp>
+        <p:nvSpPr>
+          <p:cNvPr id="60" name="流程图: 决策 59"/>
+          <p:cNvSpPr/>
+          <p:nvPr/>
+        </p:nvSpPr>
+        <p:spPr>
+          <a:xfrm>
+            <a:off x="9975850" y="2348865"/>
+            <a:ext cx="914400" cy="611505"/>
+          </a:xfrm>
+          <a:prstGeom prst="flowChartDecision">
+            <a:avLst/>
+          </a:prstGeom>
+        </p:spPr>
+        <p:style>
+          <a:lnRef idx="2">
+            <a:schemeClr val="accent1">
+              <a:shade val="50000"/>
+            </a:schemeClr>
+          </a:lnRef>
+          <a:fillRef idx="1">
+            <a:schemeClr val="accent1"/>
+          </a:fillRef>
+          <a:effectRef idx="0">
+            <a:schemeClr val="accent1"/>
+          </a:effectRef>
+          <a:fontRef idx="minor">
+            <a:schemeClr val="lt1"/>
+          </a:fontRef>
+        </p:style>
+        <p:txBody>
+          <a:bodyPr rtlCol="0" anchor="ctr"/>
+          <a:p>
+            <a:pPr algn="ctr"/>
+            <a:r>
+              <a:rPr lang="zh-CN" altLang="en-US" sz="600"/>
+              <a:t>修复失败</a:t>
+            </a:r>
+            <a:endParaRPr lang="zh-CN" altLang="en-US" sz="600"/>
+          </a:p>
+        </p:txBody>
+      </p:sp>
+      <p:cxnSp>
+        <p:nvCxnSpPr>
+          <p:cNvPr id="62" name="肘形连接符 61"/>
+          <p:cNvCxnSpPr>
+            <a:stCxn id="53" idx="3"/>
+            <a:endCxn id="60" idx="1"/>
+          </p:cNvCxnSpPr>
+          <p:nvPr/>
+        </p:nvCxnSpPr>
+        <p:spPr>
+          <a:xfrm flipV="1">
+            <a:off x="9558655" y="2654935"/>
+            <a:ext cx="417195" cy="617220"/>
+          </a:xfrm>
+          <a:prstGeom prst="bentConnector3">
+            <a:avLst>
+              <a:gd name="adj1" fmla="val 50076"/>
+            </a:avLst>
+          </a:prstGeom>
+          <a:ln>
+            <a:tailEnd type="arrow"/>
+          </a:ln>
+        </p:spPr>
+        <p:style>
+          <a:lnRef idx="1">
+            <a:schemeClr val="accent1"/>
+          </a:lnRef>
+          <a:fillRef idx="0">
+            <a:schemeClr val="accent1"/>
+          </a:fillRef>
+          <a:effectRef idx="0">
+            <a:schemeClr val="accent1"/>
+          </a:effectRef>
+          <a:fontRef idx="minor">
+            <a:schemeClr val="tx1"/>
+          </a:fontRef>
+        </p:style>
+      </p:cxnSp>
+      <p:cxnSp>
+        <p:nvCxnSpPr>
+          <p:cNvPr id="63" name="直接箭头连接符 62"/>
+          <p:cNvCxnSpPr>
+            <a:stCxn id="43" idx="2"/>
+            <a:endCxn id="52" idx="0"/>
+          </p:cNvCxnSpPr>
+          <p:nvPr/>
+        </p:nvCxnSpPr>
+        <p:spPr>
+          <a:xfrm>
+            <a:off x="10433050" y="4182745"/>
+            <a:ext cx="0" cy="754380"/>
+          </a:xfrm>
+          <a:prstGeom prst="straightConnector1">
+            <a:avLst/>
+          </a:prstGeom>
+          <a:ln>
+            <a:tailEnd type="arrow"/>
+          </a:ln>
+        </p:spPr>
+        <p:style>
+          <a:lnRef idx="1">
+            <a:schemeClr val="accent1"/>
+          </a:lnRef>
+          <a:fillRef idx="0">
+            <a:schemeClr val="accent1"/>
+          </a:fillRef>
+          <a:effectRef idx="0">
+            <a:schemeClr val="accent1"/>
+          </a:effectRef>
+          <a:fontRef idx="minor">
+            <a:schemeClr val="tx1"/>
+          </a:fontRef>
+        </p:style>
+      </p:cxnSp>
+      <p:sp>
+        <p:nvSpPr>
+          <p:cNvPr id="66" name="流程图: 过程 65"/>
+          <p:cNvSpPr/>
+          <p:nvPr/>
+        </p:nvSpPr>
+        <p:spPr>
+          <a:xfrm>
+            <a:off x="9975850" y="1335405"/>
+            <a:ext cx="914400" cy="611505"/>
+          </a:xfrm>
+          <a:prstGeom prst="flowChartProcess">
+            <a:avLst/>
+          </a:prstGeom>
+        </p:spPr>
+        <p:style>
+          <a:lnRef idx="2">
+            <a:schemeClr val="accent2">
+              <a:shade val="50000"/>
+            </a:schemeClr>
+          </a:lnRef>
+          <a:fillRef idx="1">
+            <a:schemeClr val="accent2"/>
+          </a:fillRef>
+          <a:effectRef idx="0">
+            <a:schemeClr val="accent2"/>
+          </a:effectRef>
+          <a:fontRef idx="minor">
+            <a:schemeClr val="lt1"/>
+          </a:fontRef>
+        </p:style>
+        <p:txBody>
+          <a:bodyPr rtlCol="0" anchor="ctr"/>
+          <a:p>
+            <a:pPr algn="ctr"/>
+            <a:r>
+              <a:rPr lang="zh-CN" altLang="en-US"/>
+              <a:t>理解障碍</a:t>
+            </a:r>
+            <a:endParaRPr lang="zh-CN" altLang="en-US"/>
+          </a:p>
+        </p:txBody>
+      </p:sp>
+      <p:cxnSp>
+        <p:nvCxnSpPr>
+          <p:cNvPr id="67" name="直接箭头连接符 66"/>
+          <p:cNvCxnSpPr>
+            <a:stCxn id="60" idx="0"/>
+            <a:endCxn id="66" idx="2"/>
+          </p:cNvCxnSpPr>
+          <p:nvPr/>
+        </p:nvCxnSpPr>
+        <p:spPr>
+          <a:xfrm flipV="1">
+            <a:off x="10433050" y="1946910"/>
+            <a:ext cx="0" cy="401955"/>
+          </a:xfrm>
+          <a:prstGeom prst="straightConnector1">
+            <a:avLst/>
+          </a:prstGeom>
+          <a:ln>
+            <a:tailEnd type="arrow"/>
+          </a:ln>
+        </p:spPr>
+        <p:style>
+          <a:lnRef idx="1">
+            <a:schemeClr val="accent1"/>
+          </a:lnRef>
+          <a:fillRef idx="0">
+            <a:schemeClr val="accent1"/>
+          </a:fillRef>
+          <a:effectRef idx="0">
+            <a:schemeClr val="accent1"/>
+          </a:effectRef>
+          <a:fontRef idx="minor">
+            <a:schemeClr val="tx1"/>
+          </a:fontRef>
+        </p:style>
+      </p:cxnSp>
     </p:spTree>
   </p:cSld>
   <p:clrMapOvr>
@@ -5532,4 +7571,263 @@
     </a:ext>
   </a:extLst>
 </a:theme>
+</file>
+
+<file path=ppt/theme/theme2.xml><?xml version="1.0" encoding="utf-8"?>
+<a:theme xmlns:a="http://schemas.openxmlformats.org/drawingml/2006/main" name="Office 主题">
+  <a:themeElements>
+    <a:clrScheme name="Office">
+      <a:dk1>
+        <a:sysClr val="windowText" lastClr="000000"/>
+      </a:dk1>
+      <a:lt1>
+        <a:sysClr val="window" lastClr="FFFFFF"/>
+      </a:lt1>
+      <a:dk2>
+        <a:srgbClr val="44546A"/>
+      </a:dk2>
+      <a:lt2>
+        <a:srgbClr val="E7E6E6"/>
+      </a:lt2>
+      <a:accent1>
+        <a:srgbClr val="5B9BD5"/>
+      </a:accent1>
+      <a:accent2>
+        <a:srgbClr val="ED7D31"/>
+      </a:accent2>
+      <a:accent3>
+        <a:srgbClr val="A5A5A5"/>
+      </a:accent3>
+      <a:accent4>
+        <a:srgbClr val="FFC000"/>
+      </a:accent4>
+      <a:accent5>
+        <a:srgbClr val="4472C4"/>
+      </a:accent5>
+      <a:accent6>
+        <a:srgbClr val="70AD47"/>
+      </a:accent6>
+      <a:hlink>
+        <a:srgbClr val="0563C1"/>
+      </a:hlink>
+      <a:folHlink>
+        <a:srgbClr val="954F72"/>
+      </a:folHlink>
+    </a:clrScheme>
+    <a:fontScheme name="Office">
+      <a:majorFont>
+        <a:latin typeface="Calibri Light"/>
+        <a:ea typeface=""/>
+        <a:cs typeface=""/>
+        <a:font script="Jpan" typeface="ＭＳ Ｐゴシック"/>
+        <a:font script="Hang" typeface="맑은 고딕"/>
+        <a:font script="Hans" typeface="宋体"/>
+        <a:font script="Hant" typeface="新細明體"/>
+        <a:font script="Arab" typeface="Times New Roman"/>
+        <a:font script="Hebr" typeface="Times New Roman"/>
+        <a:font script="Thai" typeface="Angsana New"/>
+        <a:font script="Ethi" typeface="Nyala"/>
+        <a:font script="Beng" typeface="Vrinda"/>
+        <a:font script="Gujr" typeface="Shruti"/>
+        <a:font script="Khmr" typeface="MoolBoran"/>
+        <a:font script="Knda" typeface="Tunga"/>
+        <a:font script="Guru" typeface="Raavi"/>
+        <a:font script="Cans" typeface="Euphemia"/>
+        <a:font script="Cher" typeface="Plantagenet Cherokee"/>
+        <a:font script="Yiii" typeface="Microsoft Yi Baiti"/>
+        <a:font script="Tibt" typeface="Microsoft Himalaya"/>
+        <a:font script="Thaa" typeface="MV Boli"/>
+        <a:font script="Deva" typeface="Mangal"/>
+        <a:font script="Telu" typeface="Gautami"/>
+        <a:font script="Taml" typeface="Latha"/>
+        <a:font script="Syrc" typeface="Estrangelo Edessa"/>
+        <a:font script="Orya" typeface="Kalinga"/>
+        <a:font script="Mlym" typeface="Kartika"/>
+        <a:font script="Laoo" typeface="DokChampa"/>
+        <a:font script="Sinh" typeface="Iskoola Pota"/>
+        <a:font script="Mong" typeface="Mongolian Baiti"/>
+        <a:font script="Viet" typeface="Times New Roman"/>
+        <a:font script="Uigh" typeface="Microsoft Uighur"/>
+        <a:font script="Geor" typeface="Sylfaen"/>
+      </a:majorFont>
+      <a:minorFont>
+        <a:latin typeface="Calibri"/>
+        <a:ea typeface=""/>
+        <a:cs typeface=""/>
+        <a:font script="Jpan" typeface="ＭＳ Ｐゴシック"/>
+        <a:font script="Hang" typeface="맑은 고딕"/>
+        <a:font script="Hans" typeface="宋体"/>
+        <a:font script="Hant" typeface="新細明體"/>
+        <a:font script="Arab" typeface="Arial"/>
+        <a:font script="Hebr" typeface="Arial"/>
+        <a:font script="Thai" typeface="Cordia New"/>
+        <a:font script="Ethi" typeface="Nyala"/>
+        <a:font script="Beng" typeface="Vrinda"/>
+        <a:font script="Gujr" typeface="Shruti"/>
+        <a:font script="Khmr" typeface="DaunPenh"/>
+        <a:font script="Knda" typeface="Tunga"/>
+        <a:font script="Guru" typeface="Raavi"/>
+        <a:font script="Cans" typeface="Euphemia"/>
+        <a:font script="Cher" typeface="Plantagenet Cherokee"/>
+        <a:font script="Yiii" typeface="Microsoft Yi Baiti"/>
+        <a:font script="Tibt" typeface="Microsoft Himalaya"/>
+        <a:font script="Thaa" typeface="MV Boli"/>
+        <a:font script="Deva" typeface="Mangal"/>
+        <a:font script="Telu" typeface="Gautami"/>
+        <a:font script="Taml" typeface="Latha"/>
+        <a:font script="Syrc" typeface="Estrangelo Edessa"/>
+        <a:font script="Orya" typeface="Kalinga"/>
+        <a:font script="Mlym" typeface="Kartika"/>
+        <a:font script="Laoo" typeface="DokChampa"/>
+        <a:font script="Sinh" typeface="Iskoola Pota"/>
+        <a:font script="Mong" typeface="Mongolian Baiti"/>
+        <a:font script="Viet" typeface="Arial"/>
+        <a:font script="Uigh" typeface="Microsoft Uighur"/>
+        <a:font script="Geor" typeface="Sylfaen"/>
+      </a:minorFont>
+    </a:fontScheme>
+    <a:fmtScheme name="Office">
+      <a:fillStyleLst>
+        <a:solidFill>
+          <a:schemeClr val="phClr"/>
+        </a:solidFill>
+        <a:gradFill rotWithShape="1">
+          <a:gsLst>
+            <a:gs pos="0">
+              <a:schemeClr val="phClr">
+                <a:lumMod val="110000"/>
+                <a:satMod val="105000"/>
+                <a:tint val="67000"/>
+              </a:schemeClr>
+            </a:gs>
+            <a:gs pos="50000">
+              <a:schemeClr val="phClr">
+                <a:lumMod val="105000"/>
+                <a:satMod val="103000"/>
+                <a:tint val="73000"/>
+              </a:schemeClr>
+            </a:gs>
+            <a:gs pos="100000">
+              <a:schemeClr val="phClr">
+                <a:lumMod val="105000"/>
+                <a:satMod val="109000"/>
+                <a:tint val="81000"/>
+              </a:schemeClr>
+            </a:gs>
+          </a:gsLst>
+          <a:lin ang="5400000" scaled="0"/>
+        </a:gradFill>
+        <a:gradFill rotWithShape="1">
+          <a:gsLst>
+            <a:gs pos="0">
+              <a:schemeClr val="phClr">
+                <a:satMod val="103000"/>
+                <a:lumMod val="102000"/>
+                <a:tint val="94000"/>
+              </a:schemeClr>
+            </a:gs>
+            <a:gs pos="50000">
+              <a:schemeClr val="phClr">
+                <a:satMod val="110000"/>
+                <a:lumMod val="100000"/>
+                <a:shade val="100000"/>
+              </a:schemeClr>
+            </a:gs>
+            <a:gs pos="100000">
+              <a:schemeClr val="phClr">
+                <a:lumMod val="99000"/>
+                <a:satMod val="120000"/>
+                <a:shade val="78000"/>
+              </a:schemeClr>
+            </a:gs>
+          </a:gsLst>
+          <a:lin ang="5400000" scaled="0"/>
+        </a:gradFill>
+      </a:fillStyleLst>
+      <a:lnStyleLst>
+        <a:ln w="6350" cap="flat" cmpd="sng" algn="ctr">
+          <a:solidFill>
+            <a:schemeClr val="phClr"/>
+          </a:solidFill>
+          <a:prstDash val="solid"/>
+          <a:miter lim="800000"/>
+        </a:ln>
+        <a:ln w="12700" cap="flat" cmpd="sng" algn="ctr">
+          <a:solidFill>
+            <a:schemeClr val="phClr"/>
+          </a:solidFill>
+          <a:prstDash val="solid"/>
+          <a:miter lim="800000"/>
+        </a:ln>
+        <a:ln w="19050" cap="flat" cmpd="sng" algn="ctr">
+          <a:solidFill>
+            <a:schemeClr val="phClr"/>
+          </a:solidFill>
+          <a:prstDash val="solid"/>
+          <a:miter lim="800000"/>
+        </a:ln>
+      </a:lnStyleLst>
+      <a:effectStyleLst>
+        <a:effectStyle>
+          <a:effectLst/>
+        </a:effectStyle>
+        <a:effectStyle>
+          <a:effectLst/>
+        </a:effectStyle>
+        <a:effectStyle>
+          <a:effectLst>
+            <a:outerShdw blurRad="57150" dist="19050" dir="5400000" algn="ctr" rotWithShape="0">
+              <a:srgbClr val="000000">
+                <a:alpha val="63000"/>
+              </a:srgbClr>
+            </a:outerShdw>
+          </a:effectLst>
+        </a:effectStyle>
+      </a:effectStyleLst>
+      <a:bgFillStyleLst>
+        <a:solidFill>
+          <a:schemeClr val="phClr"/>
+        </a:solidFill>
+        <a:solidFill>
+          <a:schemeClr val="phClr">
+            <a:tint val="95000"/>
+            <a:satMod val="170000"/>
+          </a:schemeClr>
+        </a:solidFill>
+        <a:gradFill rotWithShape="1">
+          <a:gsLst>
+            <a:gs pos="0">
+              <a:schemeClr val="phClr">
+                <a:tint val="93000"/>
+                <a:satMod val="150000"/>
+                <a:shade val="98000"/>
+                <a:lumMod val="102000"/>
+              </a:schemeClr>
+            </a:gs>
+            <a:gs pos="50000">
+              <a:schemeClr val="phClr">
+                <a:tint val="98000"/>
+                <a:satMod val="130000"/>
+                <a:shade val="90000"/>
+                <a:lumMod val="103000"/>
+              </a:schemeClr>
+            </a:gs>
+            <a:gs pos="100000">
+              <a:schemeClr val="phClr">
+                <a:shade val="63000"/>
+                <a:satMod val="120000"/>
+              </a:schemeClr>
+            </a:gs>
+          </a:gsLst>
+          <a:lin ang="5400000" scaled="0"/>
+        </a:gradFill>
+      </a:bgFillStyleLst>
+    </a:fmtScheme>
+  </a:themeElements>
+  <a:extLst>
+    <a:ext uri="{05A4C25C-085E-4340-85A3-A5531E510DB2}">
+      <thm15:themeFamily xmlns:thm15="http://schemas.microsoft.com/office/thememl/2012/main" name="Office Theme" id="{62F939B6-93AF-4DB8-9C6B-D6C7DFDC589F}" vid="{4A3C46E8-61CC-4603-A589-7422A47A8E4A}"/>
+    </a:ext>
+  </a:extLst>
+</a:theme>
 </file>
--- a/流程图.pptx
+++ b/流程图.pptx
@@ -4128,7 +4128,7 @@
         </p:nvSpPr>
         <p:spPr>
           <a:xfrm>
-            <a:off x="7657465" y="1877695"/>
+            <a:off x="6900545" y="2518410"/>
             <a:ext cx="259080" cy="183515"/>
           </a:xfrm>
           <a:prstGeom prst="rect">
@@ -4383,7 +4383,7 @@
         </p:nvSpPr>
         <p:spPr>
           <a:xfrm>
-            <a:off x="6932930" y="2518410"/>
+            <a:off x="7657465" y="1877695"/>
             <a:ext cx="259080" cy="183515"/>
           </a:xfrm>
           <a:prstGeom prst="rect">
@@ -6717,43 +6717,6 @@
           </a:fontRef>
         </p:style>
       </p:cxnSp>
-      <p:sp>
-        <p:nvSpPr>
-          <p:cNvPr id="100" name="文本框 99"/>
-          <p:cNvSpPr txBox="1"/>
-          <p:nvPr/>
-        </p:nvSpPr>
-        <p:spPr>
-          <a:xfrm>
-            <a:off x="3331210" y="4376420"/>
-            <a:ext cx="5080000" cy="252730"/>
-          </a:xfrm>
-          <a:prstGeom prst="rect">
-            <a:avLst/>
-          </a:prstGeom>
-          <a:noFill/>
-          <a:ln w="9525">
-            <a:noFill/>
-          </a:ln>
-        </p:spPr>
-        <p:txBody>
-          <a:bodyPr>
-            <a:spAutoFit/>
-          </a:bodyPr>
-          <a:p>
-            <a:pPr indent="0"/>
-            <a:r>
-              <a:rPr lang="en-US" altLang="zh-CN" sz="1050" b="0">
-                <a:latin typeface="宋体" panose="02010600030101010101" pitchFamily="2" charset="-122"/>
-                <a:ea typeface="宋体" panose="02010600030101010101" pitchFamily="2" charset="-122"/>
-                <a:cs typeface="宋体" panose="02010600030101010101" pitchFamily="2" charset="-122"/>
-              </a:rPr>
-              <a:t>adpNetTraversalTime</a:t>
-            </a:r>
-            <a:endParaRPr lang="zh-CN" altLang="en-US"/>
-          </a:p>
-        </p:txBody>
-      </p:sp>
       <p:sp>
         <p:nvSpPr>
           <p:cNvPr id="43" name="流程图: 过程 42"/>

--- a/流程图.pptx
+++ b/流程图.pptx
@@ -3598,7 +3598,7 @@
               <a:rPr lang="zh-CN" sz="600">
                 <a:sym typeface="+mn-ea"/>
               </a:rPr>
-              <a:t>网格报头是符合</a:t>
+              <a:t>网格报头中有</a:t>
             </a:r>
             <a:r>
               <a:rPr lang="en-US" altLang="zh-CN" sz="600">
